--- a/Análise funcional e estruturação.pptx
+++ b/Análise funcional e estruturação.pptx
@@ -4,10 +4,14 @@
   <p:sldMasterIdLst>
     <p:sldMasterId id="2147483668" r:id="rId1"/>
   </p:sldMasterIdLst>
+  <p:notesMasterIdLst>
+    <p:notesMasterId r:id="rId6"/>
+  </p:notesMasterIdLst>
   <p:sldIdLst>
     <p:sldId id="256" r:id="rId2"/>
-    <p:sldId id="257" r:id="rId3"/>
-    <p:sldId id="258" r:id="rId4"/>
+    <p:sldId id="259" r:id="rId3"/>
+    <p:sldId id="257" r:id="rId4"/>
+    <p:sldId id="258" r:id="rId5"/>
   </p:sldIdLst>
   <p:sldSz cx="12192000" cy="6858000"/>
   <p:notesSz cx="6858000" cy="9144000"/>
@@ -106,7 +110,362 @@
       </a:defRPr>
     </a:lvl9pPr>
   </p:defaultTextStyle>
+  <p:extLst>
+    <p:ext uri="{EFAFB233-063F-42B5-8137-9DF3F51BA10A}">
+      <p15:sldGuideLst xmlns:p15="http://schemas.microsoft.com/office/powerpoint/2012/main"/>
+    </p:ext>
+  </p:extLst>
 </p:presentation>
+</file>
+
+<file path=ppt/notesMasters/notesMaster1.xml><?xml version="1.0" encoding="utf-8"?>
+<p:notesMaster xmlns:a="http://schemas.openxmlformats.org/drawingml/2006/main" xmlns:r="http://schemas.openxmlformats.org/officeDocument/2006/relationships" xmlns:p="http://schemas.openxmlformats.org/presentationml/2006/main">
+  <p:cSld>
+    <p:bg>
+      <p:bgRef idx="1001">
+        <a:schemeClr val="bg1"/>
+      </p:bgRef>
+    </p:bg>
+    <p:spTree>
+      <p:nvGrpSpPr>
+        <p:cNvPr id="1" name=""/>
+        <p:cNvGrpSpPr/>
+        <p:nvPr/>
+      </p:nvGrpSpPr>
+      <p:grpSpPr>
+        <a:xfrm>
+          <a:off x="0" y="0"/>
+          <a:ext cx="0" cy="0"/>
+          <a:chOff x="0" y="0"/>
+          <a:chExt cx="0" cy="0"/>
+        </a:xfrm>
+      </p:grpSpPr>
+      <p:sp>
+        <p:nvSpPr>
+          <p:cNvPr id="2" name="Marcador de Posição do Cabeçalho 1"/>
+          <p:cNvSpPr>
+            <a:spLocks noGrp="1"/>
+          </p:cNvSpPr>
+          <p:nvPr>
+            <p:ph type="hdr" sz="quarter"/>
+          </p:nvPr>
+        </p:nvSpPr>
+        <p:spPr>
+          <a:xfrm>
+            <a:off x="0" y="0"/>
+            <a:ext cx="2971800" cy="458788"/>
+          </a:xfrm>
+          <a:prstGeom prst="rect">
+            <a:avLst/>
+          </a:prstGeom>
+        </p:spPr>
+        <p:txBody>
+          <a:bodyPr vert="horz" lIns="91440" tIns="45720" rIns="91440" bIns="45720" rtlCol="0"/>
+          <a:lstStyle>
+            <a:lvl1pPr algn="l">
+              <a:defRPr sz="1200"/>
+            </a:lvl1pPr>
+          </a:lstStyle>
+          <a:p>
+            <a:endParaRPr lang="pt-PT"/>
+          </a:p>
+        </p:txBody>
+      </p:sp>
+      <p:sp>
+        <p:nvSpPr>
+          <p:cNvPr id="3" name="Marcador de Posição da Data 2"/>
+          <p:cNvSpPr>
+            <a:spLocks noGrp="1"/>
+          </p:cNvSpPr>
+          <p:nvPr>
+            <p:ph type="dt" idx="1"/>
+          </p:nvPr>
+        </p:nvSpPr>
+        <p:spPr>
+          <a:xfrm>
+            <a:off x="3884613" y="0"/>
+            <a:ext cx="2971800" cy="458788"/>
+          </a:xfrm>
+          <a:prstGeom prst="rect">
+            <a:avLst/>
+          </a:prstGeom>
+        </p:spPr>
+        <p:txBody>
+          <a:bodyPr vert="horz" lIns="91440" tIns="45720" rIns="91440" bIns="45720" rtlCol="0"/>
+          <a:lstStyle>
+            <a:lvl1pPr algn="r">
+              <a:defRPr sz="1200"/>
+            </a:lvl1pPr>
+          </a:lstStyle>
+          <a:p>
+            <a:fld id="{9E258296-650E-4A0E-BCDC-5B60FC73BFE9}" type="datetimeFigureOut">
+              <a:rPr lang="pt-PT" smtClean="0"/>
+              <a:t>07/04/2022</a:t>
+            </a:fld>
+            <a:endParaRPr lang="pt-PT"/>
+          </a:p>
+        </p:txBody>
+      </p:sp>
+      <p:sp>
+        <p:nvSpPr>
+          <p:cNvPr id="4" name="Marcador de Posição da Imagem do Diapositivo 3"/>
+          <p:cNvSpPr>
+            <a:spLocks noGrp="1" noRot="1" noChangeAspect="1"/>
+          </p:cNvSpPr>
+          <p:nvPr>
+            <p:ph type="sldImg" idx="2"/>
+          </p:nvPr>
+        </p:nvSpPr>
+        <p:spPr>
+          <a:xfrm>
+            <a:off x="685800" y="1143000"/>
+            <a:ext cx="5486400" cy="3086100"/>
+          </a:xfrm>
+          <a:prstGeom prst="rect">
+            <a:avLst/>
+          </a:prstGeom>
+          <a:noFill/>
+          <a:ln w="12700">
+            <a:solidFill>
+              <a:prstClr val="black"/>
+            </a:solidFill>
+          </a:ln>
+        </p:spPr>
+        <p:txBody>
+          <a:bodyPr vert="horz" lIns="91440" tIns="45720" rIns="91440" bIns="45720" rtlCol="0" anchor="ctr"/>
+          <a:lstStyle/>
+          <a:p>
+            <a:endParaRPr lang="pt-PT"/>
+          </a:p>
+        </p:txBody>
+      </p:sp>
+      <p:sp>
+        <p:nvSpPr>
+          <p:cNvPr id="5" name="Marcador de Posição de Notas 4"/>
+          <p:cNvSpPr>
+            <a:spLocks noGrp="1"/>
+          </p:cNvSpPr>
+          <p:nvPr>
+            <p:ph type="body" sz="quarter" idx="3"/>
+          </p:nvPr>
+        </p:nvSpPr>
+        <p:spPr>
+          <a:xfrm>
+            <a:off x="685800" y="4400550"/>
+            <a:ext cx="5486400" cy="3600450"/>
+          </a:xfrm>
+          <a:prstGeom prst="rect">
+            <a:avLst/>
+          </a:prstGeom>
+        </p:spPr>
+        <p:txBody>
+          <a:bodyPr vert="horz" lIns="91440" tIns="45720" rIns="91440" bIns="45720" rtlCol="0"/>
+          <a:lstStyle/>
+          <a:p>
+            <a:pPr lvl="0"/>
+            <a:r>
+              <a:rPr lang="pt-PT" smtClean="0"/>
+              <a:t>Clique para editar os estilos</a:t>
+            </a:r>
+          </a:p>
+          <a:p>
+            <a:pPr lvl="1"/>
+            <a:r>
+              <a:rPr lang="pt-PT" smtClean="0"/>
+              <a:t>Segundo nível</a:t>
+            </a:r>
+          </a:p>
+          <a:p>
+            <a:pPr lvl="2"/>
+            <a:r>
+              <a:rPr lang="pt-PT" smtClean="0"/>
+              <a:t>Terceiro nível</a:t>
+            </a:r>
+          </a:p>
+          <a:p>
+            <a:pPr lvl="3"/>
+            <a:r>
+              <a:rPr lang="pt-PT" smtClean="0"/>
+              <a:t>Quarto nível</a:t>
+            </a:r>
+          </a:p>
+          <a:p>
+            <a:pPr lvl="4"/>
+            <a:r>
+              <a:rPr lang="pt-PT" smtClean="0"/>
+              <a:t>Quinto nível</a:t>
+            </a:r>
+            <a:endParaRPr lang="pt-PT"/>
+          </a:p>
+        </p:txBody>
+      </p:sp>
+      <p:sp>
+        <p:nvSpPr>
+          <p:cNvPr id="6" name="Marcador de Posição do Rodapé 5"/>
+          <p:cNvSpPr>
+            <a:spLocks noGrp="1"/>
+          </p:cNvSpPr>
+          <p:nvPr>
+            <p:ph type="ftr" sz="quarter" idx="4"/>
+          </p:nvPr>
+        </p:nvSpPr>
+        <p:spPr>
+          <a:xfrm>
+            <a:off x="0" y="8685213"/>
+            <a:ext cx="2971800" cy="458787"/>
+          </a:xfrm>
+          <a:prstGeom prst="rect">
+            <a:avLst/>
+          </a:prstGeom>
+        </p:spPr>
+        <p:txBody>
+          <a:bodyPr vert="horz" lIns="91440" tIns="45720" rIns="91440" bIns="45720" rtlCol="0" anchor="b"/>
+          <a:lstStyle>
+            <a:lvl1pPr algn="l">
+              <a:defRPr sz="1200"/>
+            </a:lvl1pPr>
+          </a:lstStyle>
+          <a:p>
+            <a:endParaRPr lang="pt-PT"/>
+          </a:p>
+        </p:txBody>
+      </p:sp>
+      <p:sp>
+        <p:nvSpPr>
+          <p:cNvPr id="7" name="Marcador de Posição do Número do Diapositivo 6"/>
+          <p:cNvSpPr>
+            <a:spLocks noGrp="1"/>
+          </p:cNvSpPr>
+          <p:nvPr>
+            <p:ph type="sldNum" sz="quarter" idx="5"/>
+          </p:nvPr>
+        </p:nvSpPr>
+        <p:spPr>
+          <a:xfrm>
+            <a:off x="3884613" y="8685213"/>
+            <a:ext cx="2971800" cy="458787"/>
+          </a:xfrm>
+          <a:prstGeom prst="rect">
+            <a:avLst/>
+          </a:prstGeom>
+        </p:spPr>
+        <p:txBody>
+          <a:bodyPr vert="horz" lIns="91440" tIns="45720" rIns="91440" bIns="45720" rtlCol="0" anchor="b"/>
+          <a:lstStyle>
+            <a:lvl1pPr algn="r">
+              <a:defRPr sz="1200"/>
+            </a:lvl1pPr>
+          </a:lstStyle>
+          <a:p>
+            <a:fld id="{ADABC6D3-17CA-4942-815E-36A066459A0F}" type="slidenum">
+              <a:rPr lang="pt-PT" smtClean="0"/>
+              <a:t>‹nº›</a:t>
+            </a:fld>
+            <a:endParaRPr lang="pt-PT"/>
+          </a:p>
+        </p:txBody>
+      </p:sp>
+    </p:spTree>
+    <p:extLst>
+      <p:ext uri="{BB962C8B-B14F-4D97-AF65-F5344CB8AC3E}">
+        <p14:creationId xmlns:p14="http://schemas.microsoft.com/office/powerpoint/2010/main" val="3171455999"/>
+      </p:ext>
+    </p:extLst>
+  </p:cSld>
+  <p:clrMap bg1="lt1" tx1="dk1" bg2="lt2" tx2="dk2" accent1="accent1" accent2="accent2" accent3="accent3" accent4="accent4" accent5="accent5" accent6="accent6" hlink="hlink" folHlink="folHlink"/>
+  <p:notesStyle>
+    <a:lvl1pPr marL="0" algn="l" defTabSz="914400" rtl="0" eaLnBrk="1" latinLnBrk="0" hangingPunct="1">
+      <a:defRPr sz="1200" kern="1200">
+        <a:solidFill>
+          <a:schemeClr val="tx1"/>
+        </a:solidFill>
+        <a:latin typeface="+mn-lt"/>
+        <a:ea typeface="+mn-ea"/>
+        <a:cs typeface="+mn-cs"/>
+      </a:defRPr>
+    </a:lvl1pPr>
+    <a:lvl2pPr marL="457200" algn="l" defTabSz="914400" rtl="0" eaLnBrk="1" latinLnBrk="0" hangingPunct="1">
+      <a:defRPr sz="1200" kern="1200">
+        <a:solidFill>
+          <a:schemeClr val="tx1"/>
+        </a:solidFill>
+        <a:latin typeface="+mn-lt"/>
+        <a:ea typeface="+mn-ea"/>
+        <a:cs typeface="+mn-cs"/>
+      </a:defRPr>
+    </a:lvl2pPr>
+    <a:lvl3pPr marL="914400" algn="l" defTabSz="914400" rtl="0" eaLnBrk="1" latinLnBrk="0" hangingPunct="1">
+      <a:defRPr sz="1200" kern="1200">
+        <a:solidFill>
+          <a:schemeClr val="tx1"/>
+        </a:solidFill>
+        <a:latin typeface="+mn-lt"/>
+        <a:ea typeface="+mn-ea"/>
+        <a:cs typeface="+mn-cs"/>
+      </a:defRPr>
+    </a:lvl3pPr>
+    <a:lvl4pPr marL="1371600" algn="l" defTabSz="914400" rtl="0" eaLnBrk="1" latinLnBrk="0" hangingPunct="1">
+      <a:defRPr sz="1200" kern="1200">
+        <a:solidFill>
+          <a:schemeClr val="tx1"/>
+        </a:solidFill>
+        <a:latin typeface="+mn-lt"/>
+        <a:ea typeface="+mn-ea"/>
+        <a:cs typeface="+mn-cs"/>
+      </a:defRPr>
+    </a:lvl4pPr>
+    <a:lvl5pPr marL="1828800" algn="l" defTabSz="914400" rtl="0" eaLnBrk="1" latinLnBrk="0" hangingPunct="1">
+      <a:defRPr sz="1200" kern="1200">
+        <a:solidFill>
+          <a:schemeClr val="tx1"/>
+        </a:solidFill>
+        <a:latin typeface="+mn-lt"/>
+        <a:ea typeface="+mn-ea"/>
+        <a:cs typeface="+mn-cs"/>
+      </a:defRPr>
+    </a:lvl5pPr>
+    <a:lvl6pPr marL="2286000" algn="l" defTabSz="914400" rtl="0" eaLnBrk="1" latinLnBrk="0" hangingPunct="1">
+      <a:defRPr sz="1200" kern="1200">
+        <a:solidFill>
+          <a:schemeClr val="tx1"/>
+        </a:solidFill>
+        <a:latin typeface="+mn-lt"/>
+        <a:ea typeface="+mn-ea"/>
+        <a:cs typeface="+mn-cs"/>
+      </a:defRPr>
+    </a:lvl6pPr>
+    <a:lvl7pPr marL="2743200" algn="l" defTabSz="914400" rtl="0" eaLnBrk="1" latinLnBrk="0" hangingPunct="1">
+      <a:defRPr sz="1200" kern="1200">
+        <a:solidFill>
+          <a:schemeClr val="tx1"/>
+        </a:solidFill>
+        <a:latin typeface="+mn-lt"/>
+        <a:ea typeface="+mn-ea"/>
+        <a:cs typeface="+mn-cs"/>
+      </a:defRPr>
+    </a:lvl7pPr>
+    <a:lvl8pPr marL="3200400" algn="l" defTabSz="914400" rtl="0" eaLnBrk="1" latinLnBrk="0" hangingPunct="1">
+      <a:defRPr sz="1200" kern="1200">
+        <a:solidFill>
+          <a:schemeClr val="tx1"/>
+        </a:solidFill>
+        <a:latin typeface="+mn-lt"/>
+        <a:ea typeface="+mn-ea"/>
+        <a:cs typeface="+mn-cs"/>
+      </a:defRPr>
+    </a:lvl8pPr>
+    <a:lvl9pPr marL="3657600" algn="l" defTabSz="914400" rtl="0" eaLnBrk="1" latinLnBrk="0" hangingPunct="1">
+      <a:defRPr sz="1200" kern="1200">
+        <a:solidFill>
+          <a:schemeClr val="tx1"/>
+        </a:solidFill>
+        <a:latin typeface="+mn-lt"/>
+        <a:ea typeface="+mn-ea"/>
+        <a:cs typeface="+mn-cs"/>
+      </a:defRPr>
+    </a:lvl9pPr>
+  </p:notesStyle>
+</p:notesMaster>
 </file>
 
 <file path=ppt/slideLayouts/slideLayout1.xml><?xml version="1.0" encoding="utf-8"?>
@@ -3974,7 +4333,11 @@
           <a:bodyPr/>
           <a:lstStyle/>
           <a:p>
-            <a:endParaRPr lang="pt-PT"/>
+            <a:r>
+              <a:rPr lang="pt-PT" dirty="0" smtClean="0"/>
+              <a:t>Apresentação do jogo</a:t>
+            </a:r>
+            <a:endParaRPr lang="pt-PT" dirty="0"/>
           </a:p>
         </p:txBody>
       </p:sp>
@@ -3988,19 +4351,155 @@
             <p:ph idx="1"/>
           </p:nvPr>
         </p:nvSpPr>
-        <p:spPr/>
-        <p:txBody>
-          <a:bodyPr/>
+        <p:spPr>
+          <a:xfrm>
+            <a:off x="1097280" y="2323528"/>
+            <a:ext cx="10058400" cy="4023360"/>
+          </a:xfrm>
+        </p:spPr>
+        <p:txBody>
+          <a:bodyPr>
+            <a:normAutofit/>
+          </a:bodyPr>
           <a:lstStyle/>
           <a:p>
-            <a:endParaRPr lang="pt-PT"/>
+            <a:pPr marL="360000" indent="-180000">
+              <a:buFont typeface="Arial" panose="020B0604020202020204" pitchFamily="34" charset="0"/>
+              <a:buChar char="•"/>
+            </a:pPr>
+            <a:r>
+              <a:rPr lang="pt-PT" dirty="0"/>
+              <a:t>O </a:t>
+            </a:r>
+            <a:r>
+              <a:rPr lang="pt-PT" dirty="0" smtClean="0"/>
+              <a:t>Semáforo foi </a:t>
+            </a:r>
+            <a:r>
+              <a:rPr lang="pt-PT" dirty="0"/>
+              <a:t>inventado </a:t>
+            </a:r>
+            <a:r>
+              <a:rPr lang="pt-PT" dirty="0" smtClean="0"/>
+              <a:t>por Alan </a:t>
+            </a:r>
+            <a:r>
+              <a:rPr lang="pt-PT" dirty="0" err="1"/>
+              <a:t>Parr</a:t>
+            </a:r>
+            <a:r>
+              <a:rPr lang="pt-PT" dirty="0" smtClean="0"/>
+              <a:t>.</a:t>
+            </a:r>
+          </a:p>
+          <a:p>
+            <a:pPr marL="360000" indent="-180000">
+              <a:buFont typeface="Arial" panose="020B0604020202020204" pitchFamily="34" charset="0"/>
+              <a:buChar char="•"/>
+            </a:pPr>
+            <a:r>
+              <a:rPr lang="pt-PT" dirty="0" smtClean="0"/>
+              <a:t>Quatro </a:t>
+            </a:r>
+            <a:r>
+              <a:rPr lang="pt-PT" dirty="0"/>
+              <a:t>requisitos principais: </a:t>
+            </a:r>
+            <a:endParaRPr lang="pt-PT" dirty="0" smtClean="0"/>
+          </a:p>
+          <a:p>
+            <a:pPr marL="652608" lvl="1" indent="-180000">
+              <a:buFont typeface="Arial" panose="020B0604020202020204" pitchFamily="34" charset="0"/>
+              <a:buChar char="•"/>
+            </a:pPr>
+            <a:r>
+              <a:rPr lang="pt-PT" dirty="0" smtClean="0"/>
+              <a:t>fácil </a:t>
+            </a:r>
+            <a:r>
+              <a:rPr lang="pt-PT" dirty="0"/>
+              <a:t>de </a:t>
+            </a:r>
+            <a:r>
+              <a:rPr lang="pt-PT" dirty="0" smtClean="0"/>
+              <a:t>jogar</a:t>
+            </a:r>
+            <a:r>
+              <a:rPr lang="pt-PT" dirty="0"/>
+              <a:t>;</a:t>
+            </a:r>
+            <a:endParaRPr lang="pt-PT" dirty="0" smtClean="0"/>
+          </a:p>
+          <a:p>
+            <a:pPr marL="652608" lvl="1" indent="-180000">
+              <a:buFont typeface="Arial" panose="020B0604020202020204" pitchFamily="34" charset="0"/>
+              <a:buChar char="•"/>
+            </a:pPr>
+            <a:r>
+              <a:rPr lang="pt-PT" dirty="0" smtClean="0"/>
+              <a:t>com </a:t>
+            </a:r>
+            <a:r>
+              <a:rPr lang="pt-PT" dirty="0"/>
+              <a:t>materiais </a:t>
+            </a:r>
+            <a:r>
+              <a:rPr lang="pt-PT" dirty="0" smtClean="0"/>
+              <a:t>;</a:t>
+            </a:r>
+          </a:p>
+          <a:p>
+            <a:pPr marL="652608" lvl="1" indent="-180000">
+              <a:buFont typeface="Arial" panose="020B0604020202020204" pitchFamily="34" charset="0"/>
+              <a:buChar char="•"/>
+            </a:pPr>
+            <a:r>
+              <a:rPr lang="pt-PT" dirty="0" smtClean="0"/>
+              <a:t>equipamentos simples;</a:t>
+            </a:r>
+          </a:p>
+          <a:p>
+            <a:pPr marL="652608" lvl="1" indent="-180000">
+              <a:buFont typeface="Arial" panose="020B0604020202020204" pitchFamily="34" charset="0"/>
+              <a:buChar char="•"/>
+            </a:pPr>
+            <a:r>
+              <a:rPr lang="pt-PT" dirty="0" smtClean="0"/>
+              <a:t>um </a:t>
+            </a:r>
+            <a:r>
+              <a:rPr lang="pt-PT" dirty="0"/>
+              <a:t>jogo não banal de jogar. </a:t>
+            </a:r>
+            <a:endParaRPr lang="pt-PT" dirty="0" smtClean="0"/>
+          </a:p>
+          <a:p>
+            <a:pPr marL="360000" indent="-180000">
+              <a:buFont typeface="Arial" panose="020B0604020202020204" pitchFamily="34" charset="0"/>
+              <a:buChar char="•"/>
+            </a:pPr>
+            <a:r>
+              <a:rPr lang="pt-PT" dirty="0" smtClean="0"/>
+              <a:t>Este </a:t>
+            </a:r>
+            <a:r>
+              <a:rPr lang="pt-PT" dirty="0"/>
+              <a:t>jogo pode ser jogado apenas por dois jogadores. </a:t>
+            </a:r>
+          </a:p>
+          <a:p>
+            <a:pPr marL="360000" indent="-180000">
+              <a:buFont typeface="Arial" panose="020B0604020202020204" pitchFamily="34" charset="0"/>
+              <a:buChar char="•"/>
+            </a:pPr>
+            <a:endParaRPr lang="pt-PT" dirty="0"/>
           </a:p>
         </p:txBody>
       </p:sp>
     </p:spTree>
     <p:extLst>
       <p:ext uri="{BB962C8B-B14F-4D97-AF65-F5344CB8AC3E}">
-        <p14:creationId xmlns:p14="http://schemas.microsoft.com/office/powerpoint/2010/main" val="3581620295"/>
+        <p14:creationId xmlns:p14="http://schemas.microsoft.com/office/powerpoint/2010/main" val="1888764023"/>
       </p:ext>
     </p:extLst>
   </p:cSld>
@@ -4042,7 +4541,11 @@
           <a:bodyPr/>
           <a:lstStyle/>
           <a:p>
-            <a:endParaRPr lang="pt-PT"/>
+            <a:r>
+              <a:rPr lang="pt-PT" dirty="0" smtClean="0"/>
+              <a:t>Tabuleiro</a:t>
+            </a:r>
+            <a:endParaRPr lang="pt-PT" dirty="0"/>
           </a:p>
         </p:txBody>
       </p:sp>
@@ -4054,6 +4557,236 @@
           </p:cNvSpPr>
           <p:nvPr>
             <p:ph idx="1"/>
+          </p:nvPr>
+        </p:nvSpPr>
+        <p:spPr/>
+        <p:txBody>
+          <a:bodyPr>
+            <a:normAutofit/>
+          </a:bodyPr>
+          <a:lstStyle/>
+          <a:p>
+            <a:pPr marL="360000" indent="-180000">
+              <a:buFont typeface="Arial" panose="020B0604020202020204" pitchFamily="34" charset="0"/>
+              <a:buChar char="•"/>
+            </a:pPr>
+            <a:r>
+              <a:rPr lang="pt-PT" dirty="0" smtClean="0"/>
+              <a:t>Forma </a:t>
+            </a:r>
+            <a:r>
+              <a:rPr lang="pt-PT" dirty="0"/>
+              <a:t>de </a:t>
+            </a:r>
+            <a:r>
+              <a:rPr lang="pt-PT" dirty="0" smtClean="0"/>
+              <a:t>retângulo (</a:t>
+            </a:r>
+            <a:r>
+              <a:rPr lang="pt-PT" dirty="0"/>
+              <a:t>dividido em </a:t>
+            </a:r>
+            <a:r>
+              <a:rPr lang="pt-PT" dirty="0" smtClean="0"/>
+              <a:t>3 por 4 </a:t>
+            </a:r>
+            <a:r>
+              <a:rPr lang="pt-PT" dirty="0"/>
+              <a:t>quadrados mais pequenos) </a:t>
+            </a:r>
+            <a:endParaRPr lang="pt-PT" dirty="0" smtClean="0"/>
+          </a:p>
+          <a:p>
+            <a:pPr marL="360000" indent="-180000">
+              <a:buFont typeface="Arial" panose="020B0604020202020204" pitchFamily="34" charset="0"/>
+              <a:buChar char="•"/>
+            </a:pPr>
+            <a:r>
+              <a:rPr lang="pt-PT" dirty="0" smtClean="0"/>
+              <a:t>Total </a:t>
+            </a:r>
+            <a:r>
+              <a:rPr lang="pt-PT" dirty="0"/>
+              <a:t>de 24 </a:t>
+            </a:r>
+            <a:r>
+              <a:rPr lang="pt-PT" dirty="0" smtClean="0"/>
+              <a:t>peças: </a:t>
+            </a:r>
+          </a:p>
+          <a:p>
+            <a:pPr marL="652608" lvl="1" indent="-180000">
+              <a:buFont typeface="Arial" panose="020B0604020202020204" pitchFamily="34" charset="0"/>
+              <a:buChar char="•"/>
+            </a:pPr>
+            <a:r>
+              <a:rPr lang="pt-PT" dirty="0" smtClean="0"/>
+              <a:t>sendo </a:t>
+            </a:r>
+            <a:r>
+              <a:rPr lang="pt-PT" dirty="0"/>
+              <a:t>elas 8 peças verdes </a:t>
+            </a:r>
+            <a:r>
+              <a:rPr lang="pt-PT" dirty="0" smtClean="0"/>
+              <a:t>circulares;</a:t>
+            </a:r>
+          </a:p>
+          <a:p>
+            <a:pPr marL="652608" lvl="1" indent="-180000">
+              <a:buFont typeface="Arial" panose="020B0604020202020204" pitchFamily="34" charset="0"/>
+              <a:buChar char="•"/>
+            </a:pPr>
+            <a:r>
+              <a:rPr lang="pt-PT" dirty="0" smtClean="0"/>
+              <a:t>8 </a:t>
+            </a:r>
+            <a:r>
+              <a:rPr lang="pt-PT" dirty="0"/>
+              <a:t>peças amarelas </a:t>
+            </a:r>
+            <a:r>
+              <a:rPr lang="pt-PT" dirty="0" smtClean="0"/>
+              <a:t>triangulares;</a:t>
+            </a:r>
+          </a:p>
+          <a:p>
+            <a:pPr marL="652608" lvl="1" indent="-180000">
+              <a:buFont typeface="Arial" panose="020B0604020202020204" pitchFamily="34" charset="0"/>
+              <a:buChar char="•"/>
+            </a:pPr>
+            <a:r>
+              <a:rPr lang="pt-PT" dirty="0" smtClean="0"/>
+              <a:t>8 </a:t>
+            </a:r>
+            <a:r>
+              <a:rPr lang="pt-PT" dirty="0"/>
+              <a:t>peças vermelhas </a:t>
+            </a:r>
+            <a:r>
+              <a:rPr lang="pt-PT" dirty="0" smtClean="0"/>
+              <a:t>quadrangulares;</a:t>
+            </a:r>
+            <a:endParaRPr lang="pt-PT" dirty="0"/>
+          </a:p>
+          <a:p>
+            <a:pPr marL="360000" indent="-180000">
+              <a:buFont typeface="Arial" panose="020B0604020202020204" pitchFamily="34" charset="0"/>
+              <a:buChar char="•"/>
+            </a:pPr>
+            <a:r>
+              <a:rPr lang="pt-PT" dirty="0" smtClean="0"/>
+              <a:t>Objetivo: o </a:t>
+            </a:r>
+            <a:r>
+              <a:rPr lang="pt-PT" dirty="0"/>
+              <a:t>alinhamento de 3 peças </a:t>
+            </a:r>
+            <a:r>
+              <a:rPr lang="pt-PT" dirty="0" smtClean="0"/>
+              <a:t>iguais </a:t>
+            </a:r>
+            <a:r>
+              <a:rPr lang="pt-PT" dirty="0"/>
+              <a:t>na horizontal, vertical ou diagonal. </a:t>
+            </a:r>
+            <a:endParaRPr lang="pt-PT" dirty="0"/>
+          </a:p>
+        </p:txBody>
+      </p:sp>
+      <p:pic>
+        <p:nvPicPr>
+          <p:cNvPr id="4" name="Imagem 3"/>
+          <p:cNvPicPr/>
+          <p:nvPr/>
+        </p:nvPicPr>
+        <p:blipFill rotWithShape="1">
+          <a:blip r:embed="rId2">
+            <a:extLst>
+              <a:ext uri="{28A0092B-C50C-407E-A947-70E740481C1C}">
+                <a14:useLocalDpi xmlns:a14="http://schemas.microsoft.com/office/drawing/2010/main" val="0"/>
+              </a:ext>
+            </a:extLst>
+          </a:blip>
+          <a:srcRect l="2411" t="2868" r="2747" b="4050"/>
+          <a:stretch/>
+        </p:blipFill>
+        <p:spPr>
+          <a:xfrm>
+            <a:off x="2555377" y="4209532"/>
+            <a:ext cx="2331310" cy="2092413"/>
+          </a:xfrm>
+          <a:prstGeom prst="rect">
+            <a:avLst/>
+          </a:prstGeom>
+        </p:spPr>
+      </p:pic>
+      <p:pic>
+        <p:nvPicPr>
+          <p:cNvPr id="5" name="Imagem 4"/>
+          <p:cNvPicPr/>
+          <p:nvPr/>
+        </p:nvPicPr>
+        <p:blipFill>
+          <a:blip r:embed="rId3">
+            <a:extLst>
+              <a:ext uri="{28A0092B-C50C-407E-A947-70E740481C1C}">
+                <a14:useLocalDpi xmlns:a14="http://schemas.microsoft.com/office/drawing/2010/main" val="0"/>
+              </a:ext>
+            </a:extLst>
+          </a:blip>
+          <a:stretch>
+            <a:fillRect/>
+          </a:stretch>
+        </p:blipFill>
+        <p:spPr>
+          <a:xfrm>
+            <a:off x="5881748" y="4934428"/>
+            <a:ext cx="1894840" cy="642620"/>
+          </a:xfrm>
+          <a:prstGeom prst="rect">
+            <a:avLst/>
+          </a:prstGeom>
+        </p:spPr>
+      </p:pic>
+    </p:spTree>
+    <p:extLst>
+      <p:ext uri="{BB962C8B-B14F-4D97-AF65-F5344CB8AC3E}">
+        <p14:creationId xmlns:p14="http://schemas.microsoft.com/office/powerpoint/2010/main" val="3581620295"/>
+      </p:ext>
+    </p:extLst>
+  </p:cSld>
+  <p:clrMapOvr>
+    <a:masterClrMapping/>
+  </p:clrMapOvr>
+</p:sld>
+</file>
+
+<file path=ppt/slides/slide4.xml><?xml version="1.0" encoding="utf-8"?>
+<p:sld xmlns:a="http://schemas.openxmlformats.org/drawingml/2006/main" xmlns:r="http://schemas.openxmlformats.org/officeDocument/2006/relationships" xmlns:p="http://schemas.openxmlformats.org/presentationml/2006/main">
+  <p:cSld>
+    <p:spTree>
+      <p:nvGrpSpPr>
+        <p:cNvPr id="1" name=""/>
+        <p:cNvGrpSpPr/>
+        <p:nvPr/>
+      </p:nvGrpSpPr>
+      <p:grpSpPr>
+        <a:xfrm>
+          <a:off x="0" y="0"/>
+          <a:ext cx="0" cy="0"/>
+          <a:chOff x="0" y="0"/>
+          <a:chExt cx="0" cy="0"/>
+        </a:xfrm>
+      </p:grpSpPr>
+      <p:sp>
+        <p:nvSpPr>
+          <p:cNvPr id="2" name="Título 1"/>
+          <p:cNvSpPr>
+            <a:spLocks noGrp="1"/>
+          </p:cNvSpPr>
+          <p:nvPr>
+            <p:ph type="title"/>
           </p:nvPr>
         </p:nvSpPr>
         <p:spPr/>
@@ -4061,10 +4794,88 @@
           <a:bodyPr/>
           <a:lstStyle/>
           <a:p>
-            <a:endParaRPr lang="pt-PT"/>
-          </a:p>
-        </p:txBody>
-      </p:sp>
+            <a:r>
+              <a:rPr lang="pt-PT" dirty="0" smtClean="0"/>
+              <a:t>Exemplos de Vitória</a:t>
+            </a:r>
+            <a:endParaRPr lang="pt-PT" dirty="0"/>
+          </a:p>
+        </p:txBody>
+      </p:sp>
+      <p:pic>
+        <p:nvPicPr>
+          <p:cNvPr id="5" name="Marcador de Posição de Conteúdo 4"/>
+          <p:cNvPicPr>
+            <a:picLocks noGrp="1" noChangeAspect="1"/>
+          </p:cNvPicPr>
+          <p:nvPr>
+            <p:ph idx="1"/>
+          </p:nvPr>
+        </p:nvPicPr>
+        <p:blipFill>
+          <a:blip r:embed="rId2"/>
+          <a:stretch>
+            <a:fillRect/>
+          </a:stretch>
+        </p:blipFill>
+        <p:spPr>
+          <a:xfrm>
+            <a:off x="4858654" y="2795228"/>
+            <a:ext cx="2419688" cy="2124371"/>
+          </a:xfrm>
+          <a:prstGeom prst="rect">
+            <a:avLst/>
+          </a:prstGeom>
+        </p:spPr>
+      </p:pic>
+      <p:pic>
+        <p:nvPicPr>
+          <p:cNvPr id="4" name="Imagem 3"/>
+          <p:cNvPicPr>
+            <a:picLocks noChangeAspect="1"/>
+          </p:cNvPicPr>
+          <p:nvPr/>
+        </p:nvPicPr>
+        <p:blipFill>
+          <a:blip r:embed="rId3"/>
+          <a:stretch>
+            <a:fillRect/>
+          </a:stretch>
+        </p:blipFill>
+        <p:spPr>
+          <a:xfrm>
+            <a:off x="1757456" y="2814281"/>
+            <a:ext cx="2333951" cy="2086266"/>
+          </a:xfrm>
+          <a:prstGeom prst="rect">
+            <a:avLst/>
+          </a:prstGeom>
+        </p:spPr>
+      </p:pic>
+      <p:pic>
+        <p:nvPicPr>
+          <p:cNvPr id="6" name="Imagem 5"/>
+          <p:cNvPicPr>
+            <a:picLocks noChangeAspect="1"/>
+          </p:cNvPicPr>
+          <p:nvPr/>
+        </p:nvPicPr>
+        <p:blipFill>
+          <a:blip r:embed="rId4"/>
+          <a:stretch>
+            <a:fillRect/>
+          </a:stretch>
+        </p:blipFill>
+        <p:spPr>
+          <a:xfrm>
+            <a:off x="8398950" y="2795228"/>
+            <a:ext cx="2429214" cy="2105319"/>
+          </a:xfrm>
+          <a:prstGeom prst="rect">
+            <a:avLst/>
+          </a:prstGeom>
+        </p:spPr>
+      </p:pic>
     </p:spTree>
     <p:extLst>
       <p:ext uri="{BB962C8B-B14F-4D97-AF65-F5344CB8AC3E}">
@@ -4359,4 +5170,265 @@
     </a:ext>
   </a:extLst>
 </a:theme>
+</file>
+
+<file path=ppt/theme/theme2.xml><?xml version="1.0" encoding="utf-8"?>
+<a:theme xmlns:a="http://schemas.openxmlformats.org/drawingml/2006/main" name="Tema do Office">
+  <a:themeElements>
+    <a:clrScheme name="Office">
+      <a:dk1>
+        <a:sysClr val="windowText" lastClr="000000"/>
+      </a:dk1>
+      <a:lt1>
+        <a:sysClr val="window" lastClr="FFFFFF"/>
+      </a:lt1>
+      <a:dk2>
+        <a:srgbClr val="44546A"/>
+      </a:dk2>
+      <a:lt2>
+        <a:srgbClr val="E7E6E6"/>
+      </a:lt2>
+      <a:accent1>
+        <a:srgbClr val="5B9BD5"/>
+      </a:accent1>
+      <a:accent2>
+        <a:srgbClr val="ED7D31"/>
+      </a:accent2>
+      <a:accent3>
+        <a:srgbClr val="A5A5A5"/>
+      </a:accent3>
+      <a:accent4>
+        <a:srgbClr val="FFC000"/>
+      </a:accent4>
+      <a:accent5>
+        <a:srgbClr val="4472C4"/>
+      </a:accent5>
+      <a:accent6>
+        <a:srgbClr val="70AD47"/>
+      </a:accent6>
+      <a:hlink>
+        <a:srgbClr val="0563C1"/>
+      </a:hlink>
+      <a:folHlink>
+        <a:srgbClr val="954F72"/>
+      </a:folHlink>
+    </a:clrScheme>
+    <a:fontScheme name="Office">
+      <a:majorFont>
+        <a:latin typeface="Calibri Light" panose="020F0302020204030204"/>
+        <a:ea typeface=""/>
+        <a:cs typeface=""/>
+        <a:font script="Jpan" typeface="ＭＳ Ｐゴシック"/>
+        <a:font script="Hang" typeface="맑은 고딕"/>
+        <a:font script="Hans" typeface="宋体"/>
+        <a:font script="Hant" typeface="新細明體"/>
+        <a:font script="Arab" typeface="Times New Roman"/>
+        <a:font script="Hebr" typeface="Times New Roman"/>
+        <a:font script="Thai" typeface="Angsana New"/>
+        <a:font script="Ethi" typeface="Nyala"/>
+        <a:font script="Beng" typeface="Vrinda"/>
+        <a:font script="Gujr" typeface="Shruti"/>
+        <a:font script="Khmr" typeface="MoolBoran"/>
+        <a:font script="Knda" typeface="Tunga"/>
+        <a:font script="Guru" typeface="Raavi"/>
+        <a:font script="Cans" typeface="Euphemia"/>
+        <a:font script="Cher" typeface="Plantagenet Cherokee"/>
+        <a:font script="Yiii" typeface="Microsoft Yi Baiti"/>
+        <a:font script="Tibt" typeface="Microsoft Himalaya"/>
+        <a:font script="Thaa" typeface="MV Boli"/>
+        <a:font script="Deva" typeface="Mangal"/>
+        <a:font script="Telu" typeface="Gautami"/>
+        <a:font script="Taml" typeface="Latha"/>
+        <a:font script="Syrc" typeface="Estrangelo Edessa"/>
+        <a:font script="Orya" typeface="Kalinga"/>
+        <a:font script="Mlym" typeface="Kartika"/>
+        <a:font script="Laoo" typeface="DokChampa"/>
+        <a:font script="Sinh" typeface="Iskoola Pota"/>
+        <a:font script="Mong" typeface="Mongolian Baiti"/>
+        <a:font script="Viet" typeface="Times New Roman"/>
+        <a:font script="Uigh" typeface="Microsoft Uighur"/>
+        <a:font script="Geor" typeface="Sylfaen"/>
+      </a:majorFont>
+      <a:minorFont>
+        <a:latin typeface="Calibri" panose="020F0502020204030204"/>
+        <a:ea typeface=""/>
+        <a:cs typeface=""/>
+        <a:font script="Jpan" typeface="ＭＳ Ｐゴシック"/>
+        <a:font script="Hang" typeface="맑은 고딕"/>
+        <a:font script="Hans" typeface="宋体"/>
+        <a:font script="Hant" typeface="新細明體"/>
+        <a:font script="Arab" typeface="Arial"/>
+        <a:font script="Hebr" typeface="Arial"/>
+        <a:font script="Thai" typeface="Cordia New"/>
+        <a:font script="Ethi" typeface="Nyala"/>
+        <a:font script="Beng" typeface="Vrinda"/>
+        <a:font script="Gujr" typeface="Shruti"/>
+        <a:font script="Khmr" typeface="DaunPenh"/>
+        <a:font script="Knda" typeface="Tunga"/>
+        <a:font script="Guru" typeface="Raavi"/>
+        <a:font script="Cans" typeface="Euphemia"/>
+        <a:font script="Cher" typeface="Plantagenet Cherokee"/>
+        <a:font script="Yiii" typeface="Microsoft Yi Baiti"/>
+        <a:font script="Tibt" typeface="Microsoft Himalaya"/>
+        <a:font script="Thaa" typeface="MV Boli"/>
+        <a:font script="Deva" typeface="Mangal"/>
+        <a:font script="Telu" typeface="Gautami"/>
+        <a:font script="Taml" typeface="Latha"/>
+        <a:font script="Syrc" typeface="Estrangelo Edessa"/>
+        <a:font script="Orya" typeface="Kalinga"/>
+        <a:font script="Mlym" typeface="Kartika"/>
+        <a:font script="Laoo" typeface="DokChampa"/>
+        <a:font script="Sinh" typeface="Iskoola Pota"/>
+        <a:font script="Mong" typeface="Mongolian Baiti"/>
+        <a:font script="Viet" typeface="Arial"/>
+        <a:font script="Uigh" typeface="Microsoft Uighur"/>
+        <a:font script="Geor" typeface="Sylfaen"/>
+      </a:minorFont>
+    </a:fontScheme>
+    <a:fmtScheme name="Office">
+      <a:fillStyleLst>
+        <a:solidFill>
+          <a:schemeClr val="phClr"/>
+        </a:solidFill>
+        <a:gradFill rotWithShape="1">
+          <a:gsLst>
+            <a:gs pos="0">
+              <a:schemeClr val="phClr">
+                <a:lumMod val="110000"/>
+                <a:satMod val="105000"/>
+                <a:tint val="67000"/>
+              </a:schemeClr>
+            </a:gs>
+            <a:gs pos="50000">
+              <a:schemeClr val="phClr">
+                <a:lumMod val="105000"/>
+                <a:satMod val="103000"/>
+                <a:tint val="73000"/>
+              </a:schemeClr>
+            </a:gs>
+            <a:gs pos="100000">
+              <a:schemeClr val="phClr">
+                <a:lumMod val="105000"/>
+                <a:satMod val="109000"/>
+                <a:tint val="81000"/>
+              </a:schemeClr>
+            </a:gs>
+          </a:gsLst>
+          <a:lin ang="5400000" scaled="0"/>
+        </a:gradFill>
+        <a:gradFill rotWithShape="1">
+          <a:gsLst>
+            <a:gs pos="0">
+              <a:schemeClr val="phClr">
+                <a:satMod val="103000"/>
+                <a:lumMod val="102000"/>
+                <a:tint val="94000"/>
+              </a:schemeClr>
+            </a:gs>
+            <a:gs pos="50000">
+              <a:schemeClr val="phClr">
+                <a:satMod val="110000"/>
+                <a:lumMod val="100000"/>
+                <a:shade val="100000"/>
+              </a:schemeClr>
+            </a:gs>
+            <a:gs pos="100000">
+              <a:schemeClr val="phClr">
+                <a:lumMod val="99000"/>
+                <a:satMod val="120000"/>
+                <a:shade val="78000"/>
+              </a:schemeClr>
+            </a:gs>
+          </a:gsLst>
+          <a:lin ang="5400000" scaled="0"/>
+        </a:gradFill>
+      </a:fillStyleLst>
+      <a:lnStyleLst>
+        <a:ln w="6350" cap="flat" cmpd="sng" algn="ctr">
+          <a:solidFill>
+            <a:schemeClr val="phClr"/>
+          </a:solidFill>
+          <a:prstDash val="solid"/>
+          <a:miter lim="800000"/>
+        </a:ln>
+        <a:ln w="12700" cap="flat" cmpd="sng" algn="ctr">
+          <a:solidFill>
+            <a:schemeClr val="phClr"/>
+          </a:solidFill>
+          <a:prstDash val="solid"/>
+          <a:miter lim="800000"/>
+        </a:ln>
+        <a:ln w="19050" cap="flat" cmpd="sng" algn="ctr">
+          <a:solidFill>
+            <a:schemeClr val="phClr"/>
+          </a:solidFill>
+          <a:prstDash val="solid"/>
+          <a:miter lim="800000"/>
+        </a:ln>
+      </a:lnStyleLst>
+      <a:effectStyleLst>
+        <a:effectStyle>
+          <a:effectLst/>
+        </a:effectStyle>
+        <a:effectStyle>
+          <a:effectLst/>
+        </a:effectStyle>
+        <a:effectStyle>
+          <a:effectLst>
+            <a:outerShdw blurRad="57150" dist="19050" dir="5400000" algn="ctr" rotWithShape="0">
+              <a:srgbClr val="000000">
+                <a:alpha val="63000"/>
+              </a:srgbClr>
+            </a:outerShdw>
+          </a:effectLst>
+        </a:effectStyle>
+      </a:effectStyleLst>
+      <a:bgFillStyleLst>
+        <a:solidFill>
+          <a:schemeClr val="phClr"/>
+        </a:solidFill>
+        <a:solidFill>
+          <a:schemeClr val="phClr">
+            <a:tint val="95000"/>
+            <a:satMod val="170000"/>
+          </a:schemeClr>
+        </a:solidFill>
+        <a:gradFill rotWithShape="1">
+          <a:gsLst>
+            <a:gs pos="0">
+              <a:schemeClr val="phClr">
+                <a:tint val="93000"/>
+                <a:satMod val="150000"/>
+                <a:shade val="98000"/>
+                <a:lumMod val="102000"/>
+              </a:schemeClr>
+            </a:gs>
+            <a:gs pos="50000">
+              <a:schemeClr val="phClr">
+                <a:tint val="98000"/>
+                <a:satMod val="130000"/>
+                <a:shade val="90000"/>
+                <a:lumMod val="103000"/>
+              </a:schemeClr>
+            </a:gs>
+            <a:gs pos="100000">
+              <a:schemeClr val="phClr">
+                <a:shade val="63000"/>
+                <a:satMod val="120000"/>
+              </a:schemeClr>
+            </a:gs>
+          </a:gsLst>
+          <a:lin ang="5400000" scaled="0"/>
+        </a:gradFill>
+      </a:bgFillStyleLst>
+    </a:fmtScheme>
+  </a:themeElements>
+  <a:objectDefaults/>
+  <a:extraClrSchemeLst/>
+  <a:extLst>
+    <a:ext uri="{05A4C25C-085E-4340-85A3-A5531E510DB2}">
+      <thm15:themeFamily xmlns:thm15="http://schemas.microsoft.com/office/thememl/2012/main" name="Office Theme" id="{62F939B6-93AF-4DB8-9C6B-D6C7DFDC589F}" vid="{4A3C46E8-61CC-4603-A589-7422A47A8E4A}"/>
+    </a:ext>
+  </a:extLst>
+</a:theme>
 </file>
--- a/Análise funcional e estruturação.pptx
+++ b/Análise funcional e estruturação.pptx
@@ -4,10 +4,18 @@
   <p:sldMasterIdLst>
     <p:sldMasterId id="2147483668" r:id="rId1"/>
   </p:sldMasterIdLst>
+  <p:notesMasterIdLst>
+    <p:notesMasterId r:id="rId10"/>
+  </p:notesMasterIdLst>
   <p:sldIdLst>
     <p:sldId id="256" r:id="rId2"/>
-    <p:sldId id="257" r:id="rId3"/>
-    <p:sldId id="258" r:id="rId4"/>
+    <p:sldId id="259" r:id="rId3"/>
+    <p:sldId id="257" r:id="rId4"/>
+    <p:sldId id="258" r:id="rId5"/>
+    <p:sldId id="261" r:id="rId6"/>
+    <p:sldId id="260" r:id="rId7"/>
+    <p:sldId id="262" r:id="rId8"/>
+    <p:sldId id="263" r:id="rId9"/>
   </p:sldIdLst>
   <p:sldSz cx="12192000" cy="6858000"/>
   <p:notesSz cx="6858000" cy="9144000"/>
@@ -106,7 +114,446 @@
       </a:defRPr>
     </a:lvl9pPr>
   </p:defaultTextStyle>
+  <p:extLst>
+    <p:ext uri="{EFAFB233-063F-42B5-8137-9DF3F51BA10A}">
+      <p15:sldGuideLst xmlns:p15="http://schemas.microsoft.com/office/powerpoint/2012/main"/>
+    </p:ext>
+  </p:extLst>
 </p:presentation>
+</file>
+
+<file path=ppt/notesMasters/notesMaster1.xml><?xml version="1.0" encoding="utf-8"?>
+<p:notesMaster xmlns:a="http://schemas.openxmlformats.org/drawingml/2006/main" xmlns:r="http://schemas.openxmlformats.org/officeDocument/2006/relationships" xmlns:p="http://schemas.openxmlformats.org/presentationml/2006/main">
+  <p:cSld>
+    <p:bg>
+      <p:bgRef idx="1001">
+        <a:schemeClr val="bg1"/>
+      </p:bgRef>
+    </p:bg>
+    <p:spTree>
+      <p:nvGrpSpPr>
+        <p:cNvPr id="1" name=""/>
+        <p:cNvGrpSpPr/>
+        <p:nvPr/>
+      </p:nvGrpSpPr>
+      <p:grpSpPr>
+        <a:xfrm>
+          <a:off x="0" y="0"/>
+          <a:ext cx="0" cy="0"/>
+          <a:chOff x="0" y="0"/>
+          <a:chExt cx="0" cy="0"/>
+        </a:xfrm>
+      </p:grpSpPr>
+      <p:sp>
+        <p:nvSpPr>
+          <p:cNvPr id="2" name="Marcador de Posição do Cabeçalho 1"/>
+          <p:cNvSpPr>
+            <a:spLocks noGrp="1"/>
+          </p:cNvSpPr>
+          <p:nvPr>
+            <p:ph type="hdr" sz="quarter"/>
+          </p:nvPr>
+        </p:nvSpPr>
+        <p:spPr>
+          <a:xfrm>
+            <a:off x="0" y="0"/>
+            <a:ext cx="2971800" cy="458788"/>
+          </a:xfrm>
+          <a:prstGeom prst="rect">
+            <a:avLst/>
+          </a:prstGeom>
+        </p:spPr>
+        <p:txBody>
+          <a:bodyPr vert="horz" lIns="91440" tIns="45720" rIns="91440" bIns="45720" rtlCol="0"/>
+          <a:lstStyle>
+            <a:lvl1pPr algn="l">
+              <a:defRPr sz="1200"/>
+            </a:lvl1pPr>
+          </a:lstStyle>
+          <a:p>
+            <a:endParaRPr lang="pt-PT"/>
+          </a:p>
+        </p:txBody>
+      </p:sp>
+      <p:sp>
+        <p:nvSpPr>
+          <p:cNvPr id="3" name="Marcador de Posição da Data 2"/>
+          <p:cNvSpPr>
+            <a:spLocks noGrp="1"/>
+          </p:cNvSpPr>
+          <p:nvPr>
+            <p:ph type="dt" idx="1"/>
+          </p:nvPr>
+        </p:nvSpPr>
+        <p:spPr>
+          <a:xfrm>
+            <a:off x="3884613" y="0"/>
+            <a:ext cx="2971800" cy="458788"/>
+          </a:xfrm>
+          <a:prstGeom prst="rect">
+            <a:avLst/>
+          </a:prstGeom>
+        </p:spPr>
+        <p:txBody>
+          <a:bodyPr vert="horz" lIns="91440" tIns="45720" rIns="91440" bIns="45720" rtlCol="0"/>
+          <a:lstStyle>
+            <a:lvl1pPr algn="r">
+              <a:defRPr sz="1200"/>
+            </a:lvl1pPr>
+          </a:lstStyle>
+          <a:p>
+            <a:fld id="{9E258296-650E-4A0E-BCDC-5B60FC73BFE9}" type="datetimeFigureOut">
+              <a:rPr lang="pt-PT" smtClean="0"/>
+              <a:t>07/04/2022</a:t>
+            </a:fld>
+            <a:endParaRPr lang="pt-PT"/>
+          </a:p>
+        </p:txBody>
+      </p:sp>
+      <p:sp>
+        <p:nvSpPr>
+          <p:cNvPr id="4" name="Marcador de Posição da Imagem do Diapositivo 3"/>
+          <p:cNvSpPr>
+            <a:spLocks noGrp="1" noRot="1" noChangeAspect="1"/>
+          </p:cNvSpPr>
+          <p:nvPr>
+            <p:ph type="sldImg" idx="2"/>
+          </p:nvPr>
+        </p:nvSpPr>
+        <p:spPr>
+          <a:xfrm>
+            <a:off x="685800" y="1143000"/>
+            <a:ext cx="5486400" cy="3086100"/>
+          </a:xfrm>
+          <a:prstGeom prst="rect">
+            <a:avLst/>
+          </a:prstGeom>
+          <a:noFill/>
+          <a:ln w="12700">
+            <a:solidFill>
+              <a:prstClr val="black"/>
+            </a:solidFill>
+          </a:ln>
+        </p:spPr>
+        <p:txBody>
+          <a:bodyPr vert="horz" lIns="91440" tIns="45720" rIns="91440" bIns="45720" rtlCol="0" anchor="ctr"/>
+          <a:lstStyle/>
+          <a:p>
+            <a:endParaRPr lang="pt-PT"/>
+          </a:p>
+        </p:txBody>
+      </p:sp>
+      <p:sp>
+        <p:nvSpPr>
+          <p:cNvPr id="5" name="Marcador de Posição de Notas 4"/>
+          <p:cNvSpPr>
+            <a:spLocks noGrp="1"/>
+          </p:cNvSpPr>
+          <p:nvPr>
+            <p:ph type="body" sz="quarter" idx="3"/>
+          </p:nvPr>
+        </p:nvSpPr>
+        <p:spPr>
+          <a:xfrm>
+            <a:off x="685800" y="4400550"/>
+            <a:ext cx="5486400" cy="3600450"/>
+          </a:xfrm>
+          <a:prstGeom prst="rect">
+            <a:avLst/>
+          </a:prstGeom>
+        </p:spPr>
+        <p:txBody>
+          <a:bodyPr vert="horz" lIns="91440" tIns="45720" rIns="91440" bIns="45720" rtlCol="0"/>
+          <a:lstStyle/>
+          <a:p>
+            <a:pPr lvl="0"/>
+            <a:r>
+              <a:rPr lang="pt-PT" smtClean="0"/>
+              <a:t>Clique para editar os estilos</a:t>
+            </a:r>
+          </a:p>
+          <a:p>
+            <a:pPr lvl="1"/>
+            <a:r>
+              <a:rPr lang="pt-PT" smtClean="0"/>
+              <a:t>Segundo nível</a:t>
+            </a:r>
+          </a:p>
+          <a:p>
+            <a:pPr lvl="2"/>
+            <a:r>
+              <a:rPr lang="pt-PT" smtClean="0"/>
+              <a:t>Terceiro nível</a:t>
+            </a:r>
+          </a:p>
+          <a:p>
+            <a:pPr lvl="3"/>
+            <a:r>
+              <a:rPr lang="pt-PT" smtClean="0"/>
+              <a:t>Quarto nível</a:t>
+            </a:r>
+          </a:p>
+          <a:p>
+            <a:pPr lvl="4"/>
+            <a:r>
+              <a:rPr lang="pt-PT" smtClean="0"/>
+              <a:t>Quinto nível</a:t>
+            </a:r>
+            <a:endParaRPr lang="pt-PT"/>
+          </a:p>
+        </p:txBody>
+      </p:sp>
+      <p:sp>
+        <p:nvSpPr>
+          <p:cNvPr id="6" name="Marcador de Posição do Rodapé 5"/>
+          <p:cNvSpPr>
+            <a:spLocks noGrp="1"/>
+          </p:cNvSpPr>
+          <p:nvPr>
+            <p:ph type="ftr" sz="quarter" idx="4"/>
+          </p:nvPr>
+        </p:nvSpPr>
+        <p:spPr>
+          <a:xfrm>
+            <a:off x="0" y="8685213"/>
+            <a:ext cx="2971800" cy="458787"/>
+          </a:xfrm>
+          <a:prstGeom prst="rect">
+            <a:avLst/>
+          </a:prstGeom>
+        </p:spPr>
+        <p:txBody>
+          <a:bodyPr vert="horz" lIns="91440" tIns="45720" rIns="91440" bIns="45720" rtlCol="0" anchor="b"/>
+          <a:lstStyle>
+            <a:lvl1pPr algn="l">
+              <a:defRPr sz="1200"/>
+            </a:lvl1pPr>
+          </a:lstStyle>
+          <a:p>
+            <a:endParaRPr lang="pt-PT"/>
+          </a:p>
+        </p:txBody>
+      </p:sp>
+      <p:sp>
+        <p:nvSpPr>
+          <p:cNvPr id="7" name="Marcador de Posição do Número do Diapositivo 6"/>
+          <p:cNvSpPr>
+            <a:spLocks noGrp="1"/>
+          </p:cNvSpPr>
+          <p:nvPr>
+            <p:ph type="sldNum" sz="quarter" idx="5"/>
+          </p:nvPr>
+        </p:nvSpPr>
+        <p:spPr>
+          <a:xfrm>
+            <a:off x="3884613" y="8685213"/>
+            <a:ext cx="2971800" cy="458787"/>
+          </a:xfrm>
+          <a:prstGeom prst="rect">
+            <a:avLst/>
+          </a:prstGeom>
+        </p:spPr>
+        <p:txBody>
+          <a:bodyPr vert="horz" lIns="91440" tIns="45720" rIns="91440" bIns="45720" rtlCol="0" anchor="b"/>
+          <a:lstStyle>
+            <a:lvl1pPr algn="r">
+              <a:defRPr sz="1200"/>
+            </a:lvl1pPr>
+          </a:lstStyle>
+          <a:p>
+            <a:fld id="{ADABC6D3-17CA-4942-815E-36A066459A0F}" type="slidenum">
+              <a:rPr lang="pt-PT" smtClean="0"/>
+              <a:t>‹nº›</a:t>
+            </a:fld>
+            <a:endParaRPr lang="pt-PT"/>
+          </a:p>
+        </p:txBody>
+      </p:sp>
+    </p:spTree>
+    <p:extLst>
+      <p:ext uri="{BB962C8B-B14F-4D97-AF65-F5344CB8AC3E}">
+        <p14:creationId xmlns:p14="http://schemas.microsoft.com/office/powerpoint/2010/main" val="3171455999"/>
+      </p:ext>
+    </p:extLst>
+  </p:cSld>
+  <p:clrMap bg1="lt1" tx1="dk1" bg2="lt2" tx2="dk2" accent1="accent1" accent2="accent2" accent3="accent3" accent4="accent4" accent5="accent5" accent6="accent6" hlink="hlink" folHlink="folHlink"/>
+  <p:notesStyle>
+    <a:lvl1pPr marL="0" algn="l" defTabSz="914400" rtl="0" eaLnBrk="1" latinLnBrk="0" hangingPunct="1">
+      <a:defRPr sz="1200" kern="1200">
+        <a:solidFill>
+          <a:schemeClr val="tx1"/>
+        </a:solidFill>
+        <a:latin typeface="+mn-lt"/>
+        <a:ea typeface="+mn-ea"/>
+        <a:cs typeface="+mn-cs"/>
+      </a:defRPr>
+    </a:lvl1pPr>
+    <a:lvl2pPr marL="457200" algn="l" defTabSz="914400" rtl="0" eaLnBrk="1" latinLnBrk="0" hangingPunct="1">
+      <a:defRPr sz="1200" kern="1200">
+        <a:solidFill>
+          <a:schemeClr val="tx1"/>
+        </a:solidFill>
+        <a:latin typeface="+mn-lt"/>
+        <a:ea typeface="+mn-ea"/>
+        <a:cs typeface="+mn-cs"/>
+      </a:defRPr>
+    </a:lvl2pPr>
+    <a:lvl3pPr marL="914400" algn="l" defTabSz="914400" rtl="0" eaLnBrk="1" latinLnBrk="0" hangingPunct="1">
+      <a:defRPr sz="1200" kern="1200">
+        <a:solidFill>
+          <a:schemeClr val="tx1"/>
+        </a:solidFill>
+        <a:latin typeface="+mn-lt"/>
+        <a:ea typeface="+mn-ea"/>
+        <a:cs typeface="+mn-cs"/>
+      </a:defRPr>
+    </a:lvl3pPr>
+    <a:lvl4pPr marL="1371600" algn="l" defTabSz="914400" rtl="0" eaLnBrk="1" latinLnBrk="0" hangingPunct="1">
+      <a:defRPr sz="1200" kern="1200">
+        <a:solidFill>
+          <a:schemeClr val="tx1"/>
+        </a:solidFill>
+        <a:latin typeface="+mn-lt"/>
+        <a:ea typeface="+mn-ea"/>
+        <a:cs typeface="+mn-cs"/>
+      </a:defRPr>
+    </a:lvl4pPr>
+    <a:lvl5pPr marL="1828800" algn="l" defTabSz="914400" rtl="0" eaLnBrk="1" latinLnBrk="0" hangingPunct="1">
+      <a:defRPr sz="1200" kern="1200">
+        <a:solidFill>
+          <a:schemeClr val="tx1"/>
+        </a:solidFill>
+        <a:latin typeface="+mn-lt"/>
+        <a:ea typeface="+mn-ea"/>
+        <a:cs typeface="+mn-cs"/>
+      </a:defRPr>
+    </a:lvl5pPr>
+    <a:lvl6pPr marL="2286000" algn="l" defTabSz="914400" rtl="0" eaLnBrk="1" latinLnBrk="0" hangingPunct="1">
+      <a:defRPr sz="1200" kern="1200">
+        <a:solidFill>
+          <a:schemeClr val="tx1"/>
+        </a:solidFill>
+        <a:latin typeface="+mn-lt"/>
+        <a:ea typeface="+mn-ea"/>
+        <a:cs typeface="+mn-cs"/>
+      </a:defRPr>
+    </a:lvl6pPr>
+    <a:lvl7pPr marL="2743200" algn="l" defTabSz="914400" rtl="0" eaLnBrk="1" latinLnBrk="0" hangingPunct="1">
+      <a:defRPr sz="1200" kern="1200">
+        <a:solidFill>
+          <a:schemeClr val="tx1"/>
+        </a:solidFill>
+        <a:latin typeface="+mn-lt"/>
+        <a:ea typeface="+mn-ea"/>
+        <a:cs typeface="+mn-cs"/>
+      </a:defRPr>
+    </a:lvl7pPr>
+    <a:lvl8pPr marL="3200400" algn="l" defTabSz="914400" rtl="0" eaLnBrk="1" latinLnBrk="0" hangingPunct="1">
+      <a:defRPr sz="1200" kern="1200">
+        <a:solidFill>
+          <a:schemeClr val="tx1"/>
+        </a:solidFill>
+        <a:latin typeface="+mn-lt"/>
+        <a:ea typeface="+mn-ea"/>
+        <a:cs typeface="+mn-cs"/>
+      </a:defRPr>
+    </a:lvl8pPr>
+    <a:lvl9pPr marL="3657600" algn="l" defTabSz="914400" rtl="0" eaLnBrk="1" latinLnBrk="0" hangingPunct="1">
+      <a:defRPr sz="1200" kern="1200">
+        <a:solidFill>
+          <a:schemeClr val="tx1"/>
+        </a:solidFill>
+        <a:latin typeface="+mn-lt"/>
+        <a:ea typeface="+mn-ea"/>
+        <a:cs typeface="+mn-cs"/>
+      </a:defRPr>
+    </a:lvl9pPr>
+  </p:notesStyle>
+</p:notesMaster>
+</file>
+
+<file path=ppt/notesSlides/notesSlide1.xml><?xml version="1.0" encoding="utf-8"?>
+<p:notes xmlns:a="http://schemas.openxmlformats.org/drawingml/2006/main" xmlns:r="http://schemas.openxmlformats.org/officeDocument/2006/relationships" xmlns:p="http://schemas.openxmlformats.org/presentationml/2006/main">
+  <p:cSld>
+    <p:spTree>
+      <p:nvGrpSpPr>
+        <p:cNvPr id="1" name=""/>
+        <p:cNvGrpSpPr/>
+        <p:nvPr/>
+      </p:nvGrpSpPr>
+      <p:grpSpPr>
+        <a:xfrm>
+          <a:off x="0" y="0"/>
+          <a:ext cx="0" cy="0"/>
+          <a:chOff x="0" y="0"/>
+          <a:chExt cx="0" cy="0"/>
+        </a:xfrm>
+      </p:grpSpPr>
+      <p:sp>
+        <p:nvSpPr>
+          <p:cNvPr id="2" name="Marcador de Posição da Imagem do Diapositivo 1"/>
+          <p:cNvSpPr>
+            <a:spLocks noGrp="1" noRot="1" noChangeAspect="1"/>
+          </p:cNvSpPr>
+          <p:nvPr>
+            <p:ph type="sldImg"/>
+          </p:nvPr>
+        </p:nvSpPr>
+        <p:spPr/>
+      </p:sp>
+      <p:sp>
+        <p:nvSpPr>
+          <p:cNvPr id="3" name="Marcador de Posição de Notas 2"/>
+          <p:cNvSpPr>
+            <a:spLocks noGrp="1"/>
+          </p:cNvSpPr>
+          <p:nvPr>
+            <p:ph type="body" idx="1"/>
+          </p:nvPr>
+        </p:nvSpPr>
+        <p:spPr/>
+        <p:txBody>
+          <a:bodyPr/>
+          <a:lstStyle/>
+          <a:p>
+            <a:endParaRPr lang="pt-PT" dirty="0"/>
+          </a:p>
+        </p:txBody>
+      </p:sp>
+      <p:sp>
+        <p:nvSpPr>
+          <p:cNvPr id="4" name="Marcador de Posição do Número do Diapositivo 3"/>
+          <p:cNvSpPr>
+            <a:spLocks noGrp="1"/>
+          </p:cNvSpPr>
+          <p:nvPr>
+            <p:ph type="sldNum" sz="quarter" idx="10"/>
+          </p:nvPr>
+        </p:nvSpPr>
+        <p:spPr/>
+        <p:txBody>
+          <a:bodyPr/>
+          <a:lstStyle/>
+          <a:p>
+            <a:fld id="{ADABC6D3-17CA-4942-815E-36A066459A0F}" type="slidenum">
+              <a:rPr lang="pt-PT" smtClean="0"/>
+              <a:t>7</a:t>
+            </a:fld>
+            <a:endParaRPr lang="pt-PT"/>
+          </a:p>
+        </p:txBody>
+      </p:sp>
+    </p:spTree>
+    <p:extLst>
+      <p:ext uri="{BB962C8B-B14F-4D97-AF65-F5344CB8AC3E}">
+        <p14:creationId xmlns:p14="http://schemas.microsoft.com/office/powerpoint/2010/main" val="1391043407"/>
+      </p:ext>
+    </p:extLst>
+  </p:cSld>
+  <p:clrMapOvr>
+    <a:masterClrMapping/>
+  </p:clrMapOvr>
+</p:notes>
 </file>
 
 <file path=ppt/slideLayouts/slideLayout1.xml><?xml version="1.0" encoding="utf-8"?>
@@ -3974,7 +4421,11 @@
           <a:bodyPr/>
           <a:lstStyle/>
           <a:p>
-            <a:endParaRPr lang="pt-PT"/>
+            <a:r>
+              <a:rPr lang="pt-PT" dirty="0" smtClean="0"/>
+              <a:t>Apresentação do jogo</a:t>
+            </a:r>
+            <a:endParaRPr lang="pt-PT" dirty="0"/>
           </a:p>
         </p:txBody>
       </p:sp>
@@ -3988,19 +4439,155 @@
             <p:ph idx="1"/>
           </p:nvPr>
         </p:nvSpPr>
-        <p:spPr/>
-        <p:txBody>
-          <a:bodyPr/>
-          <a:lstStyle/>
-          <a:p>
-            <a:endParaRPr lang="pt-PT"/>
+        <p:spPr>
+          <a:xfrm>
+            <a:off x="1097280" y="2323528"/>
+            <a:ext cx="10058400" cy="4023360"/>
+          </a:xfrm>
+        </p:spPr>
+        <p:txBody>
+          <a:bodyPr>
+            <a:normAutofit/>
+          </a:bodyPr>
+          <a:lstStyle/>
+          <a:p>
+            <a:pPr marL="360000" indent="-180000">
+              <a:buFont typeface="Arial" panose="020B0604020202020204" pitchFamily="34" charset="0"/>
+              <a:buChar char="•"/>
+            </a:pPr>
+            <a:r>
+              <a:rPr lang="pt-PT" dirty="0"/>
+              <a:t>O </a:t>
+            </a:r>
+            <a:r>
+              <a:rPr lang="pt-PT" dirty="0" smtClean="0"/>
+              <a:t>Semáforo foi </a:t>
+            </a:r>
+            <a:r>
+              <a:rPr lang="pt-PT" dirty="0"/>
+              <a:t>inventado </a:t>
+            </a:r>
+            <a:r>
+              <a:rPr lang="pt-PT" dirty="0" smtClean="0"/>
+              <a:t>por Alan </a:t>
+            </a:r>
+            <a:r>
+              <a:rPr lang="pt-PT" dirty="0" err="1"/>
+              <a:t>Parr</a:t>
+            </a:r>
+            <a:r>
+              <a:rPr lang="pt-PT" dirty="0" smtClean="0"/>
+              <a:t>.</a:t>
+            </a:r>
+          </a:p>
+          <a:p>
+            <a:pPr marL="360000" indent="-180000">
+              <a:buFont typeface="Arial" panose="020B0604020202020204" pitchFamily="34" charset="0"/>
+              <a:buChar char="•"/>
+            </a:pPr>
+            <a:r>
+              <a:rPr lang="pt-PT" dirty="0" smtClean="0"/>
+              <a:t>Quatro </a:t>
+            </a:r>
+            <a:r>
+              <a:rPr lang="pt-PT" dirty="0"/>
+              <a:t>requisitos principais: </a:t>
+            </a:r>
+            <a:endParaRPr lang="pt-PT" dirty="0" smtClean="0"/>
+          </a:p>
+          <a:p>
+            <a:pPr marL="652608" lvl="1" indent="-180000">
+              <a:buFont typeface="Arial" panose="020B0604020202020204" pitchFamily="34" charset="0"/>
+              <a:buChar char="•"/>
+            </a:pPr>
+            <a:r>
+              <a:rPr lang="pt-PT" dirty="0" smtClean="0"/>
+              <a:t>fácil </a:t>
+            </a:r>
+            <a:r>
+              <a:rPr lang="pt-PT" dirty="0"/>
+              <a:t>de </a:t>
+            </a:r>
+            <a:r>
+              <a:rPr lang="pt-PT" dirty="0" smtClean="0"/>
+              <a:t>jogar</a:t>
+            </a:r>
+            <a:r>
+              <a:rPr lang="pt-PT" dirty="0"/>
+              <a:t>;</a:t>
+            </a:r>
+            <a:endParaRPr lang="pt-PT" dirty="0" smtClean="0"/>
+          </a:p>
+          <a:p>
+            <a:pPr marL="652608" lvl="1" indent="-180000">
+              <a:buFont typeface="Arial" panose="020B0604020202020204" pitchFamily="34" charset="0"/>
+              <a:buChar char="•"/>
+            </a:pPr>
+            <a:r>
+              <a:rPr lang="pt-PT" dirty="0" smtClean="0"/>
+              <a:t>com </a:t>
+            </a:r>
+            <a:r>
+              <a:rPr lang="pt-PT" dirty="0"/>
+              <a:t>materiais </a:t>
+            </a:r>
+            <a:r>
+              <a:rPr lang="pt-PT" dirty="0" smtClean="0"/>
+              <a:t>;</a:t>
+            </a:r>
+          </a:p>
+          <a:p>
+            <a:pPr marL="652608" lvl="1" indent="-180000">
+              <a:buFont typeface="Arial" panose="020B0604020202020204" pitchFamily="34" charset="0"/>
+              <a:buChar char="•"/>
+            </a:pPr>
+            <a:r>
+              <a:rPr lang="pt-PT" dirty="0" smtClean="0"/>
+              <a:t>equipamentos simples;</a:t>
+            </a:r>
+          </a:p>
+          <a:p>
+            <a:pPr marL="652608" lvl="1" indent="-180000">
+              <a:buFont typeface="Arial" panose="020B0604020202020204" pitchFamily="34" charset="0"/>
+              <a:buChar char="•"/>
+            </a:pPr>
+            <a:r>
+              <a:rPr lang="pt-PT" dirty="0" smtClean="0"/>
+              <a:t>um </a:t>
+            </a:r>
+            <a:r>
+              <a:rPr lang="pt-PT" dirty="0"/>
+              <a:t>jogo não banal de jogar. </a:t>
+            </a:r>
+            <a:endParaRPr lang="pt-PT" dirty="0" smtClean="0"/>
+          </a:p>
+          <a:p>
+            <a:pPr marL="360000" indent="-180000">
+              <a:buFont typeface="Arial" panose="020B0604020202020204" pitchFamily="34" charset="0"/>
+              <a:buChar char="•"/>
+            </a:pPr>
+            <a:r>
+              <a:rPr lang="pt-PT" dirty="0" smtClean="0"/>
+              <a:t>Este </a:t>
+            </a:r>
+            <a:r>
+              <a:rPr lang="pt-PT" dirty="0"/>
+              <a:t>jogo pode ser jogado apenas por dois jogadores. </a:t>
+            </a:r>
+          </a:p>
+          <a:p>
+            <a:pPr marL="360000" indent="-180000">
+              <a:buFont typeface="Arial" panose="020B0604020202020204" pitchFamily="34" charset="0"/>
+              <a:buChar char="•"/>
+            </a:pPr>
+            <a:endParaRPr lang="pt-PT" dirty="0"/>
           </a:p>
         </p:txBody>
       </p:sp>
     </p:spTree>
     <p:extLst>
       <p:ext uri="{BB962C8B-B14F-4D97-AF65-F5344CB8AC3E}">
-        <p14:creationId xmlns:p14="http://schemas.microsoft.com/office/powerpoint/2010/main" val="3581620295"/>
+        <p14:creationId xmlns:p14="http://schemas.microsoft.com/office/powerpoint/2010/main" val="1888764023"/>
       </p:ext>
     </p:extLst>
   </p:cSld>
@@ -4042,7 +4629,11 @@
           <a:bodyPr/>
           <a:lstStyle/>
           <a:p>
-            <a:endParaRPr lang="pt-PT"/>
+            <a:r>
+              <a:rPr lang="pt-PT" dirty="0" smtClean="0"/>
+              <a:t>Tabuleiro</a:t>
+            </a:r>
+            <a:endParaRPr lang="pt-PT" dirty="0"/>
           </a:p>
         </p:txBody>
       </p:sp>
@@ -4058,13 +4649,321 @@
         </p:nvSpPr>
         <p:spPr/>
         <p:txBody>
+          <a:bodyPr>
+            <a:normAutofit/>
+          </a:bodyPr>
+          <a:lstStyle/>
+          <a:p>
+            <a:pPr marL="360000" indent="-180000">
+              <a:buFont typeface="Arial" panose="020B0604020202020204" pitchFamily="34" charset="0"/>
+              <a:buChar char="•"/>
+            </a:pPr>
+            <a:r>
+              <a:rPr lang="pt-PT" dirty="0" smtClean="0"/>
+              <a:t>Forma </a:t>
+            </a:r>
+            <a:r>
+              <a:rPr lang="pt-PT" dirty="0"/>
+              <a:t>de </a:t>
+            </a:r>
+            <a:r>
+              <a:rPr lang="pt-PT" dirty="0" smtClean="0"/>
+              <a:t>retângulo (</a:t>
+            </a:r>
+            <a:r>
+              <a:rPr lang="pt-PT" dirty="0"/>
+              <a:t>dividido em </a:t>
+            </a:r>
+            <a:r>
+              <a:rPr lang="pt-PT" dirty="0" smtClean="0"/>
+              <a:t>3 por 4 </a:t>
+            </a:r>
+            <a:r>
+              <a:rPr lang="pt-PT" dirty="0"/>
+              <a:t>quadrados mais pequenos) </a:t>
+            </a:r>
+            <a:endParaRPr lang="pt-PT" dirty="0" smtClean="0"/>
+          </a:p>
+          <a:p>
+            <a:pPr marL="360000" indent="-180000">
+              <a:buFont typeface="Arial" panose="020B0604020202020204" pitchFamily="34" charset="0"/>
+              <a:buChar char="•"/>
+            </a:pPr>
+            <a:r>
+              <a:rPr lang="pt-PT" dirty="0" smtClean="0"/>
+              <a:t>Total </a:t>
+            </a:r>
+            <a:r>
+              <a:rPr lang="pt-PT" dirty="0"/>
+              <a:t>de 24 </a:t>
+            </a:r>
+            <a:r>
+              <a:rPr lang="pt-PT" dirty="0" smtClean="0"/>
+              <a:t>peças: </a:t>
+            </a:r>
+          </a:p>
+          <a:p>
+            <a:pPr marL="652608" lvl="1" indent="-180000">
+              <a:buFont typeface="Arial" panose="020B0604020202020204" pitchFamily="34" charset="0"/>
+              <a:buChar char="•"/>
+            </a:pPr>
+            <a:r>
+              <a:rPr lang="pt-PT" dirty="0" smtClean="0"/>
+              <a:t>sendo </a:t>
+            </a:r>
+            <a:r>
+              <a:rPr lang="pt-PT" dirty="0"/>
+              <a:t>elas 8 peças verdes </a:t>
+            </a:r>
+            <a:r>
+              <a:rPr lang="pt-PT" dirty="0" smtClean="0"/>
+              <a:t>circulares;</a:t>
+            </a:r>
+          </a:p>
+          <a:p>
+            <a:pPr marL="652608" lvl="1" indent="-180000">
+              <a:buFont typeface="Arial" panose="020B0604020202020204" pitchFamily="34" charset="0"/>
+              <a:buChar char="•"/>
+            </a:pPr>
+            <a:r>
+              <a:rPr lang="pt-PT" dirty="0" smtClean="0"/>
+              <a:t>8 </a:t>
+            </a:r>
+            <a:r>
+              <a:rPr lang="pt-PT" dirty="0"/>
+              <a:t>peças amarelas </a:t>
+            </a:r>
+            <a:r>
+              <a:rPr lang="pt-PT" dirty="0" smtClean="0"/>
+              <a:t>triangulares;</a:t>
+            </a:r>
+          </a:p>
+          <a:p>
+            <a:pPr marL="652608" lvl="1" indent="-180000">
+              <a:buFont typeface="Arial" panose="020B0604020202020204" pitchFamily="34" charset="0"/>
+              <a:buChar char="•"/>
+            </a:pPr>
+            <a:r>
+              <a:rPr lang="pt-PT" dirty="0" smtClean="0"/>
+              <a:t>8 </a:t>
+            </a:r>
+            <a:r>
+              <a:rPr lang="pt-PT" dirty="0"/>
+              <a:t>peças vermelhas </a:t>
+            </a:r>
+            <a:r>
+              <a:rPr lang="pt-PT" dirty="0" smtClean="0"/>
+              <a:t>quadrangulares;</a:t>
+            </a:r>
+            <a:endParaRPr lang="pt-PT" dirty="0"/>
+          </a:p>
+          <a:p>
+            <a:pPr marL="360000" indent="-180000">
+              <a:buFont typeface="Arial" panose="020B0604020202020204" pitchFamily="34" charset="0"/>
+              <a:buChar char="•"/>
+            </a:pPr>
+            <a:r>
+              <a:rPr lang="pt-PT" dirty="0" smtClean="0"/>
+              <a:t>Objetivo: o </a:t>
+            </a:r>
+            <a:r>
+              <a:rPr lang="pt-PT" dirty="0"/>
+              <a:t>alinhamento de 3 peças </a:t>
+            </a:r>
+            <a:r>
+              <a:rPr lang="pt-PT" dirty="0" smtClean="0"/>
+              <a:t>iguais </a:t>
+            </a:r>
+            <a:r>
+              <a:rPr lang="pt-PT" dirty="0"/>
+              <a:t>na horizontal, vertical ou diagonal. </a:t>
+            </a:r>
+            <a:endParaRPr lang="pt-PT" dirty="0"/>
+          </a:p>
+        </p:txBody>
+      </p:sp>
+      <p:pic>
+        <p:nvPicPr>
+          <p:cNvPr id="4" name="Imagem 3"/>
+          <p:cNvPicPr/>
+          <p:nvPr/>
+        </p:nvPicPr>
+        <p:blipFill rotWithShape="1">
+          <a:blip r:embed="rId2">
+            <a:extLst>
+              <a:ext uri="{28A0092B-C50C-407E-A947-70E740481C1C}">
+                <a14:useLocalDpi xmlns:a14="http://schemas.microsoft.com/office/drawing/2010/main" val="0"/>
+              </a:ext>
+            </a:extLst>
+          </a:blip>
+          <a:srcRect l="2411" t="2868" r="2747" b="4050"/>
+          <a:stretch/>
+        </p:blipFill>
+        <p:spPr>
+          <a:xfrm>
+            <a:off x="2555377" y="4209532"/>
+            <a:ext cx="2331310" cy="2092413"/>
+          </a:xfrm>
+          <a:prstGeom prst="rect">
+            <a:avLst/>
+          </a:prstGeom>
+        </p:spPr>
+      </p:pic>
+      <p:pic>
+        <p:nvPicPr>
+          <p:cNvPr id="5" name="Imagem 4"/>
+          <p:cNvPicPr/>
+          <p:nvPr/>
+        </p:nvPicPr>
+        <p:blipFill>
+          <a:blip r:embed="rId3">
+            <a:extLst>
+              <a:ext uri="{28A0092B-C50C-407E-A947-70E740481C1C}">
+                <a14:useLocalDpi xmlns:a14="http://schemas.microsoft.com/office/drawing/2010/main" val="0"/>
+              </a:ext>
+            </a:extLst>
+          </a:blip>
+          <a:stretch>
+            <a:fillRect/>
+          </a:stretch>
+        </p:blipFill>
+        <p:spPr>
+          <a:xfrm>
+            <a:off x="5881748" y="4934428"/>
+            <a:ext cx="1894840" cy="642620"/>
+          </a:xfrm>
+          <a:prstGeom prst="rect">
+            <a:avLst/>
+          </a:prstGeom>
+        </p:spPr>
+      </p:pic>
+    </p:spTree>
+    <p:extLst>
+      <p:ext uri="{BB962C8B-B14F-4D97-AF65-F5344CB8AC3E}">
+        <p14:creationId xmlns:p14="http://schemas.microsoft.com/office/powerpoint/2010/main" val="3581620295"/>
+      </p:ext>
+    </p:extLst>
+  </p:cSld>
+  <p:clrMapOvr>
+    <a:masterClrMapping/>
+  </p:clrMapOvr>
+</p:sld>
+</file>
+
+<file path=ppt/slides/slide4.xml><?xml version="1.0" encoding="utf-8"?>
+<p:sld xmlns:a="http://schemas.openxmlformats.org/drawingml/2006/main" xmlns:r="http://schemas.openxmlformats.org/officeDocument/2006/relationships" xmlns:p="http://schemas.openxmlformats.org/presentationml/2006/main">
+  <p:cSld>
+    <p:spTree>
+      <p:nvGrpSpPr>
+        <p:cNvPr id="1" name=""/>
+        <p:cNvGrpSpPr/>
+        <p:nvPr/>
+      </p:nvGrpSpPr>
+      <p:grpSpPr>
+        <a:xfrm>
+          <a:off x="0" y="0"/>
+          <a:ext cx="0" cy="0"/>
+          <a:chOff x="0" y="0"/>
+          <a:chExt cx="0" cy="0"/>
+        </a:xfrm>
+      </p:grpSpPr>
+      <p:sp>
+        <p:nvSpPr>
+          <p:cNvPr id="2" name="Título 1"/>
+          <p:cNvSpPr>
+            <a:spLocks noGrp="1"/>
+          </p:cNvSpPr>
+          <p:nvPr>
+            <p:ph type="title"/>
+          </p:nvPr>
+        </p:nvSpPr>
+        <p:spPr/>
+        <p:txBody>
           <a:bodyPr/>
           <a:lstStyle/>
           <a:p>
-            <a:endParaRPr lang="pt-PT"/>
-          </a:p>
-        </p:txBody>
-      </p:sp>
+            <a:r>
+              <a:rPr lang="pt-PT" dirty="0" smtClean="0"/>
+              <a:t>Exemplos de Vitória</a:t>
+            </a:r>
+            <a:endParaRPr lang="pt-PT" dirty="0"/>
+          </a:p>
+        </p:txBody>
+      </p:sp>
+      <p:pic>
+        <p:nvPicPr>
+          <p:cNvPr id="5" name="Marcador de Posição de Conteúdo 4"/>
+          <p:cNvPicPr>
+            <a:picLocks noGrp="1" noChangeAspect="1"/>
+          </p:cNvPicPr>
+          <p:nvPr>
+            <p:ph idx="1"/>
+          </p:nvPr>
+        </p:nvPicPr>
+        <p:blipFill>
+          <a:blip r:embed="rId2"/>
+          <a:stretch>
+            <a:fillRect/>
+          </a:stretch>
+        </p:blipFill>
+        <p:spPr>
+          <a:xfrm>
+            <a:off x="4858654" y="2795228"/>
+            <a:ext cx="2419688" cy="2124371"/>
+          </a:xfrm>
+          <a:prstGeom prst="rect">
+            <a:avLst/>
+          </a:prstGeom>
+        </p:spPr>
+      </p:pic>
+      <p:pic>
+        <p:nvPicPr>
+          <p:cNvPr id="4" name="Imagem 3"/>
+          <p:cNvPicPr>
+            <a:picLocks noChangeAspect="1"/>
+          </p:cNvPicPr>
+          <p:nvPr/>
+        </p:nvPicPr>
+        <p:blipFill>
+          <a:blip r:embed="rId3"/>
+          <a:stretch>
+            <a:fillRect/>
+          </a:stretch>
+        </p:blipFill>
+        <p:spPr>
+          <a:xfrm>
+            <a:off x="1757456" y="2814281"/>
+            <a:ext cx="2333951" cy="2086266"/>
+          </a:xfrm>
+          <a:prstGeom prst="rect">
+            <a:avLst/>
+          </a:prstGeom>
+        </p:spPr>
+      </p:pic>
+      <p:pic>
+        <p:nvPicPr>
+          <p:cNvPr id="6" name="Imagem 5"/>
+          <p:cNvPicPr>
+            <a:picLocks noChangeAspect="1"/>
+          </p:cNvPicPr>
+          <p:nvPr/>
+        </p:nvPicPr>
+        <p:blipFill>
+          <a:blip r:embed="rId4"/>
+          <a:stretch>
+            <a:fillRect/>
+          </a:stretch>
+        </p:blipFill>
+        <p:spPr>
+          <a:xfrm>
+            <a:off x="8398950" y="2795228"/>
+            <a:ext cx="2429214" cy="2105319"/>
+          </a:xfrm>
+          <a:prstGeom prst="rect">
+            <a:avLst/>
+          </a:prstGeom>
+        </p:spPr>
+      </p:pic>
     </p:spTree>
     <p:extLst>
       <p:ext uri="{BB962C8B-B14F-4D97-AF65-F5344CB8AC3E}">
@@ -4075,6 +4974,503 @@
   <p:clrMapOvr>
     <a:masterClrMapping/>
   </p:clrMapOvr>
+</p:sld>
+</file>
+
+<file path=ppt/slides/slide5.xml><?xml version="1.0" encoding="utf-8"?>
+<p:sld xmlns:a="http://schemas.openxmlformats.org/drawingml/2006/main" xmlns:r="http://schemas.openxmlformats.org/officeDocument/2006/relationships" xmlns:p="http://schemas.openxmlformats.org/presentationml/2006/main">
+  <p:cSld>
+    <p:spTree>
+      <p:nvGrpSpPr>
+        <p:cNvPr id="1" name=""/>
+        <p:cNvGrpSpPr/>
+        <p:nvPr/>
+      </p:nvGrpSpPr>
+      <p:grpSpPr>
+        <a:xfrm>
+          <a:off x="0" y="0"/>
+          <a:ext cx="0" cy="0"/>
+          <a:chOff x="0" y="0"/>
+          <a:chExt cx="0" cy="0"/>
+        </a:xfrm>
+      </p:grpSpPr>
+      <p:sp>
+        <p:nvSpPr>
+          <p:cNvPr id="2" name="Título 1"/>
+          <p:cNvSpPr>
+            <a:spLocks noGrp="1"/>
+          </p:cNvSpPr>
+          <p:nvPr>
+            <p:ph type="title"/>
+          </p:nvPr>
+        </p:nvSpPr>
+        <p:spPr/>
+        <p:txBody>
+          <a:bodyPr/>
+          <a:lstStyle/>
+          <a:p>
+            <a:r>
+              <a:rPr lang="pt-PT" dirty="0" smtClean="0"/>
+              <a:t>Regras</a:t>
+            </a:r>
+            <a:endParaRPr lang="pt-PT" dirty="0"/>
+          </a:p>
+        </p:txBody>
+      </p:sp>
+      <p:sp>
+        <p:nvSpPr>
+          <p:cNvPr id="3" name="Marcador de Posição de Conteúdo 2"/>
+          <p:cNvSpPr>
+            <a:spLocks noGrp="1"/>
+          </p:cNvSpPr>
+          <p:nvPr>
+            <p:ph idx="1"/>
+          </p:nvPr>
+        </p:nvSpPr>
+        <p:spPr>
+          <a:xfrm>
+            <a:off x="1097280" y="2216437"/>
+            <a:ext cx="10058400" cy="3055779"/>
+          </a:xfrm>
+        </p:spPr>
+        <p:txBody>
+          <a:bodyPr>
+            <a:normAutofit/>
+          </a:bodyPr>
+          <a:lstStyle/>
+          <a:p>
+            <a:pPr marL="360000" indent="-180000">
+              <a:buFont typeface="Arial" panose="020B0604020202020204" pitchFamily="34" charset="0"/>
+              <a:buChar char="•"/>
+            </a:pPr>
+            <a:r>
+              <a:rPr lang="pt-PT" dirty="0" smtClean="0"/>
+              <a:t>Jogo realiza-se no tabuleiro(3x4) inicialmente vazio</a:t>
+            </a:r>
+          </a:p>
+          <a:p>
+            <a:pPr marL="360000" indent="-180000">
+              <a:buFont typeface="Arial" panose="020B0604020202020204" pitchFamily="34" charset="0"/>
+              <a:buChar char="•"/>
+            </a:pPr>
+            <a:r>
+              <a:rPr lang="pt-PT" dirty="0" smtClean="0"/>
+              <a:t>Cada jogador na sua jogada apenas pode realizar uma das seguintes opções: </a:t>
+            </a:r>
+          </a:p>
+          <a:p>
+            <a:pPr marL="652608" lvl="1" indent="-180000">
+              <a:buFont typeface="Arial" panose="020B0604020202020204" pitchFamily="34" charset="0"/>
+              <a:buChar char="•"/>
+            </a:pPr>
+            <a:r>
+              <a:rPr lang="pt-PT" dirty="0" smtClean="0"/>
+              <a:t>Colocar peça verde numa casa vazia;</a:t>
+            </a:r>
+          </a:p>
+          <a:p>
+            <a:pPr marL="652608" lvl="1" indent="-180000">
+              <a:buFont typeface="Arial" panose="020B0604020202020204" pitchFamily="34" charset="0"/>
+              <a:buChar char="•"/>
+            </a:pPr>
+            <a:r>
+              <a:rPr lang="pt-PT" dirty="0" smtClean="0"/>
+              <a:t>Substituir peça verde por amarela;</a:t>
+            </a:r>
+          </a:p>
+          <a:p>
+            <a:pPr marL="652608" lvl="1" indent="-180000">
+              <a:buFont typeface="Arial" panose="020B0604020202020204" pitchFamily="34" charset="0"/>
+              <a:buChar char="•"/>
+            </a:pPr>
+            <a:r>
+              <a:rPr lang="pt-PT" dirty="0" smtClean="0"/>
+              <a:t>Substituir peça amarela por vermelha;</a:t>
+            </a:r>
+            <a:endParaRPr lang="pt-PT" dirty="0"/>
+          </a:p>
+          <a:p>
+            <a:pPr marL="360000" indent="-180000">
+              <a:buFont typeface="Arial" panose="020B0604020202020204" pitchFamily="34" charset="0"/>
+              <a:buChar char="•"/>
+            </a:pPr>
+            <a:r>
+              <a:rPr lang="pt-PT" dirty="0" smtClean="0"/>
+              <a:t>Peças vermelhas são insubstituíveis. </a:t>
+            </a:r>
+            <a:endParaRPr lang="pt-PT" dirty="0"/>
+          </a:p>
+        </p:txBody>
+      </p:sp>
+    </p:spTree>
+    <p:extLst>
+      <p:ext uri="{BB962C8B-B14F-4D97-AF65-F5344CB8AC3E}">
+        <p14:creationId xmlns:p14="http://schemas.microsoft.com/office/powerpoint/2010/main" val="655315861"/>
+      </p:ext>
+    </p:extLst>
+  </p:cSld>
+  <p:clrMapOvr>
+    <a:masterClrMapping/>
+  </p:clrMapOvr>
+</p:sld>
+</file>
+
+<file path=ppt/slides/slide6.xml><?xml version="1.0" encoding="utf-8"?>
+<p:sld xmlns:a="http://schemas.openxmlformats.org/drawingml/2006/main" xmlns:r="http://schemas.openxmlformats.org/officeDocument/2006/relationships" xmlns:p="http://schemas.openxmlformats.org/presentationml/2006/main">
+  <p:cSld>
+    <p:spTree>
+      <p:nvGrpSpPr>
+        <p:cNvPr id="1" name=""/>
+        <p:cNvGrpSpPr/>
+        <p:nvPr/>
+      </p:nvGrpSpPr>
+      <p:grpSpPr>
+        <a:xfrm>
+          <a:off x="0" y="0"/>
+          <a:ext cx="0" cy="0"/>
+          <a:chOff x="0" y="0"/>
+          <a:chExt cx="0" cy="0"/>
+        </a:xfrm>
+      </p:grpSpPr>
+      <p:sp>
+        <p:nvSpPr>
+          <p:cNvPr id="2" name="Título 1"/>
+          <p:cNvSpPr>
+            <a:spLocks noGrp="1"/>
+          </p:cNvSpPr>
+          <p:nvPr>
+            <p:ph type="title"/>
+          </p:nvPr>
+        </p:nvSpPr>
+        <p:spPr/>
+        <p:txBody>
+          <a:bodyPr/>
+          <a:lstStyle/>
+          <a:p>
+            <a:r>
+              <a:rPr lang="pt-PT" dirty="0" smtClean="0"/>
+              <a:t>Requisitos</a:t>
+            </a:r>
+            <a:endParaRPr lang="pt-PT" dirty="0"/>
+          </a:p>
+        </p:txBody>
+      </p:sp>
+      <p:sp>
+        <p:nvSpPr>
+          <p:cNvPr id="3" name="Marcador de Posição de Conteúdo 2"/>
+          <p:cNvSpPr>
+            <a:spLocks noGrp="1"/>
+          </p:cNvSpPr>
+          <p:nvPr>
+            <p:ph idx="1"/>
+          </p:nvPr>
+        </p:nvSpPr>
+        <p:spPr>
+          <a:xfrm>
+            <a:off x="1097280" y="2072157"/>
+            <a:ext cx="10058400" cy="4023360"/>
+          </a:xfrm>
+        </p:spPr>
+        <p:txBody>
+          <a:bodyPr>
+            <a:normAutofit/>
+          </a:bodyPr>
+          <a:lstStyle/>
+          <a:p>
+            <a:pPr marL="360000" indent="-180000">
+              <a:buFont typeface="Arial" panose="020B0604020202020204" pitchFamily="34" charset="0"/>
+              <a:buChar char="•"/>
+            </a:pPr>
+            <a:r>
+              <a:rPr lang="pt-PT" dirty="0" smtClean="0"/>
+              <a:t>Tabuleiro retangular 3x4</a:t>
+            </a:r>
+          </a:p>
+          <a:p>
+            <a:pPr marL="360000" indent="-180000">
+              <a:buFont typeface="Arial" panose="020B0604020202020204" pitchFamily="34" charset="0"/>
+              <a:buChar char="•"/>
+            </a:pPr>
+            <a:r>
+              <a:rPr lang="pt-PT" dirty="0" smtClean="0"/>
+              <a:t>Peças de cores e formatos diferentes</a:t>
+            </a:r>
+          </a:p>
+          <a:p>
+            <a:pPr marL="360000" indent="-180000">
+              <a:buFont typeface="Arial" panose="020B0604020202020204" pitchFamily="34" charset="0"/>
+              <a:buChar char="•"/>
+            </a:pPr>
+            <a:r>
+              <a:rPr lang="pt-PT" dirty="0" smtClean="0"/>
+              <a:t>Colocar peças no tabuleiro vazio</a:t>
+            </a:r>
+          </a:p>
+          <a:p>
+            <a:pPr marL="360000" indent="-180000">
+              <a:buFont typeface="Arial" panose="020B0604020202020204" pitchFamily="34" charset="0"/>
+              <a:buChar char="•"/>
+            </a:pPr>
+            <a:r>
+              <a:rPr lang="pt-PT" dirty="0" smtClean="0"/>
+              <a:t>Substituir peças</a:t>
+            </a:r>
+          </a:p>
+          <a:p>
+            <a:pPr marL="360000" indent="-180000">
+              <a:buFont typeface="Arial" panose="020B0604020202020204" pitchFamily="34" charset="0"/>
+              <a:buChar char="•"/>
+            </a:pPr>
+            <a:r>
+              <a:rPr lang="pt-PT" dirty="0" smtClean="0"/>
+              <a:t>Peças vermelhas impossíveis de substituir</a:t>
+            </a:r>
+          </a:p>
+          <a:p>
+            <a:pPr marL="360000" indent="-180000">
+              <a:buFont typeface="Arial" panose="020B0604020202020204" pitchFamily="34" charset="0"/>
+              <a:buChar char="•"/>
+            </a:pPr>
+            <a:r>
+              <a:rPr lang="pt-PT" dirty="0" smtClean="0"/>
+              <a:t>Identificar os jogadores</a:t>
+            </a:r>
+          </a:p>
+          <a:p>
+            <a:pPr marL="360000" indent="-180000">
+              <a:buFont typeface="Arial" panose="020B0604020202020204" pitchFamily="34" charset="0"/>
+              <a:buChar char="•"/>
+            </a:pPr>
+            <a:endParaRPr lang="pt-PT" dirty="0" smtClean="0"/>
+          </a:p>
+        </p:txBody>
+      </p:sp>
+    </p:spTree>
+    <p:extLst>
+      <p:ext uri="{BB962C8B-B14F-4D97-AF65-F5344CB8AC3E}">
+        <p14:creationId xmlns:p14="http://schemas.microsoft.com/office/powerpoint/2010/main" val="4177714599"/>
+      </p:ext>
+    </p:extLst>
+  </p:cSld>
+  <p:clrMapOvr>
+    <a:masterClrMapping/>
+  </p:clrMapOvr>
+</p:sld>
+</file>
+
+<file path=ppt/slides/slide7.xml><?xml version="1.0" encoding="utf-8"?>
+<p:sld xmlns:a="http://schemas.openxmlformats.org/drawingml/2006/main" xmlns:r="http://schemas.openxmlformats.org/officeDocument/2006/relationships" xmlns:p="http://schemas.openxmlformats.org/presentationml/2006/main">
+  <p:cSld>
+    <p:spTree>
+      <p:nvGrpSpPr>
+        <p:cNvPr id="1" name=""/>
+        <p:cNvGrpSpPr/>
+        <p:nvPr/>
+      </p:nvGrpSpPr>
+      <p:grpSpPr>
+        <a:xfrm>
+          <a:off x="0" y="0"/>
+          <a:ext cx="0" cy="0"/>
+          <a:chOff x="0" y="0"/>
+          <a:chExt cx="0" cy="0"/>
+        </a:xfrm>
+      </p:grpSpPr>
+      <p:sp>
+        <p:nvSpPr>
+          <p:cNvPr id="2" name="Título 1"/>
+          <p:cNvSpPr>
+            <a:spLocks noGrp="1"/>
+          </p:cNvSpPr>
+          <p:nvPr>
+            <p:ph type="title"/>
+          </p:nvPr>
+        </p:nvSpPr>
+        <p:spPr/>
+        <p:txBody>
+          <a:bodyPr/>
+          <a:lstStyle/>
+          <a:p>
+            <a:r>
+              <a:rPr lang="pt-PT" dirty="0" smtClean="0"/>
+              <a:t>Estruturação</a:t>
+            </a:r>
+            <a:endParaRPr lang="pt-PT" dirty="0"/>
+          </a:p>
+        </p:txBody>
+      </p:sp>
+      <p:pic>
+        <p:nvPicPr>
+          <p:cNvPr id="1026" name="Picture 2" descr="https://cdn.discordapp.com/attachments/707249637530271764/961391771009552434/Diagrama.drawio.png"/>
+          <p:cNvPicPr>
+            <a:picLocks noGrp="1" noChangeAspect="1" noChangeArrowheads="1"/>
+          </p:cNvPicPr>
+          <p:nvPr>
+            <p:ph idx="1"/>
+          </p:nvPr>
+        </p:nvPicPr>
+        <p:blipFill>
+          <a:blip r:embed="rId3">
+            <a:extLst>
+              <a:ext uri="{28A0092B-C50C-407E-A947-70E740481C1C}">
+                <a14:useLocalDpi xmlns:a14="http://schemas.microsoft.com/office/drawing/2010/main" val="0"/>
+              </a:ext>
+            </a:extLst>
+          </a:blip>
+          <a:srcRect/>
+          <a:stretch>
+            <a:fillRect/>
+          </a:stretch>
+        </p:blipFill>
+        <p:spPr bwMode="auto">
+          <a:xfrm>
+            <a:off x="3996717" y="1846263"/>
+            <a:ext cx="4752154" cy="4488634"/>
+          </a:xfrm>
+          <a:prstGeom prst="rect">
+            <a:avLst/>
+          </a:prstGeom>
+          <a:noFill/>
+          <a:extLst>
+            <a:ext uri="{909E8E84-426E-40DD-AFC4-6F175D3DCCD1}">
+              <a14:hiddenFill xmlns:a14="http://schemas.microsoft.com/office/drawing/2010/main">
+                <a:solidFill>
+                  <a:srgbClr val="FFFFFF"/>
+                </a:solidFill>
+              </a14:hiddenFill>
+            </a:ext>
+          </a:extLst>
+        </p:spPr>
+      </p:pic>
+    </p:spTree>
+    <p:extLst>
+      <p:ext uri="{BB962C8B-B14F-4D97-AF65-F5344CB8AC3E}">
+        <p14:creationId xmlns:p14="http://schemas.microsoft.com/office/powerpoint/2010/main" val="3807366934"/>
+      </p:ext>
+    </p:extLst>
+  </p:cSld>
+  <p:clrMapOvr>
+    <a:masterClrMapping/>
+  </p:clrMapOvr>
+  <p:timing>
+    <p:tnLst>
+      <p:par>
+        <p:cTn id="1" dur="indefinite" restart="never" nodeType="tmRoot"/>
+      </p:par>
+    </p:tnLst>
+  </p:timing>
+</p:sld>
+</file>
+
+<file path=ppt/slides/slide8.xml><?xml version="1.0" encoding="utf-8"?>
+<p:sld xmlns:a="http://schemas.openxmlformats.org/drawingml/2006/main" xmlns:r="http://schemas.openxmlformats.org/officeDocument/2006/relationships" xmlns:p="http://schemas.openxmlformats.org/presentationml/2006/main">
+  <p:cSld>
+    <p:spTree>
+      <p:nvGrpSpPr>
+        <p:cNvPr id="1" name=""/>
+        <p:cNvGrpSpPr/>
+        <p:nvPr/>
+      </p:nvGrpSpPr>
+      <p:grpSpPr>
+        <a:xfrm>
+          <a:off x="0" y="0"/>
+          <a:ext cx="0" cy="0"/>
+          <a:chOff x="0" y="0"/>
+          <a:chExt cx="0" cy="0"/>
+        </a:xfrm>
+      </p:grpSpPr>
+      <p:sp>
+        <p:nvSpPr>
+          <p:cNvPr id="4" name="Oval 3"/>
+          <p:cNvSpPr/>
+          <p:nvPr/>
+        </p:nvSpPr>
+        <p:spPr>
+          <a:xfrm>
+            <a:off x="4005220" y="1856670"/>
+            <a:ext cx="4093029" cy="4093029"/>
+          </a:xfrm>
+          <a:prstGeom prst="ellipse">
+            <a:avLst/>
+          </a:prstGeom>
+        </p:spPr>
+        <p:style>
+          <a:lnRef idx="2">
+            <a:schemeClr val="accent1">
+              <a:shade val="50000"/>
+            </a:schemeClr>
+          </a:lnRef>
+          <a:fillRef idx="1">
+            <a:schemeClr val="accent1"/>
+          </a:fillRef>
+          <a:effectRef idx="0">
+            <a:schemeClr val="accent1"/>
+          </a:effectRef>
+          <a:fontRef idx="minor">
+            <a:schemeClr val="lt1"/>
+          </a:fontRef>
+        </p:style>
+        <p:txBody>
+          <a:bodyPr rtlCol="0" anchor="ctr"/>
+          <a:lstStyle/>
+          <a:p>
+            <a:pPr algn="ctr"/>
+            <a:endParaRPr lang="pt-PT" b="1" dirty="0"/>
+          </a:p>
+        </p:txBody>
+      </p:sp>
+      <p:sp>
+        <p:nvSpPr>
+          <p:cNvPr id="2" name="Título 1"/>
+          <p:cNvSpPr>
+            <a:spLocks noGrp="1"/>
+          </p:cNvSpPr>
+          <p:nvPr>
+            <p:ph type="title"/>
+          </p:nvPr>
+        </p:nvSpPr>
+        <p:spPr>
+          <a:xfrm>
+            <a:off x="4807297" y="2957526"/>
+            <a:ext cx="2697883" cy="1450757"/>
+          </a:xfrm>
+        </p:spPr>
+        <p:txBody>
+          <a:bodyPr/>
+          <a:lstStyle/>
+          <a:p>
+            <a:r>
+              <a:rPr lang="pt-PT" b="1" dirty="0" smtClean="0">
+                <a:solidFill>
+                  <a:schemeClr val="bg1"/>
+                </a:solidFill>
+              </a:rPr>
+              <a:t>Obrigado!</a:t>
+            </a:r>
+            <a:endParaRPr lang="pt-PT" b="1" dirty="0">
+              <a:solidFill>
+                <a:schemeClr val="bg1"/>
+              </a:solidFill>
+            </a:endParaRPr>
+          </a:p>
+        </p:txBody>
+      </p:sp>
+    </p:spTree>
+    <p:extLst>
+      <p:ext uri="{BB962C8B-B14F-4D97-AF65-F5344CB8AC3E}">
+        <p14:creationId xmlns:p14="http://schemas.microsoft.com/office/powerpoint/2010/main" val="4249594797"/>
+      </p:ext>
+    </p:extLst>
+  </p:cSld>
+  <p:clrMapOvr>
+    <a:masterClrMapping/>
+  </p:clrMapOvr>
+  <p:timing>
+    <p:tnLst>
+      <p:par>
+        <p:cTn id="1" dur="indefinite" restart="never" nodeType="tmRoot"/>
+      </p:par>
+    </p:tnLst>
+  </p:timing>
 </p:sld>
 </file>
 
@@ -4359,4 +5755,265 @@
     </a:ext>
   </a:extLst>
 </a:theme>
+</file>
+
+<file path=ppt/theme/theme2.xml><?xml version="1.0" encoding="utf-8"?>
+<a:theme xmlns:a="http://schemas.openxmlformats.org/drawingml/2006/main" name="Tema do Office">
+  <a:themeElements>
+    <a:clrScheme name="Office">
+      <a:dk1>
+        <a:sysClr val="windowText" lastClr="000000"/>
+      </a:dk1>
+      <a:lt1>
+        <a:sysClr val="window" lastClr="FFFFFF"/>
+      </a:lt1>
+      <a:dk2>
+        <a:srgbClr val="44546A"/>
+      </a:dk2>
+      <a:lt2>
+        <a:srgbClr val="E7E6E6"/>
+      </a:lt2>
+      <a:accent1>
+        <a:srgbClr val="5B9BD5"/>
+      </a:accent1>
+      <a:accent2>
+        <a:srgbClr val="ED7D31"/>
+      </a:accent2>
+      <a:accent3>
+        <a:srgbClr val="A5A5A5"/>
+      </a:accent3>
+      <a:accent4>
+        <a:srgbClr val="FFC000"/>
+      </a:accent4>
+      <a:accent5>
+        <a:srgbClr val="4472C4"/>
+      </a:accent5>
+      <a:accent6>
+        <a:srgbClr val="70AD47"/>
+      </a:accent6>
+      <a:hlink>
+        <a:srgbClr val="0563C1"/>
+      </a:hlink>
+      <a:folHlink>
+        <a:srgbClr val="954F72"/>
+      </a:folHlink>
+    </a:clrScheme>
+    <a:fontScheme name="Office">
+      <a:majorFont>
+        <a:latin typeface="Calibri Light" panose="020F0302020204030204"/>
+        <a:ea typeface=""/>
+        <a:cs typeface=""/>
+        <a:font script="Jpan" typeface="ＭＳ Ｐゴシック"/>
+        <a:font script="Hang" typeface="맑은 고딕"/>
+        <a:font script="Hans" typeface="宋体"/>
+        <a:font script="Hant" typeface="新細明體"/>
+        <a:font script="Arab" typeface="Times New Roman"/>
+        <a:font script="Hebr" typeface="Times New Roman"/>
+        <a:font script="Thai" typeface="Angsana New"/>
+        <a:font script="Ethi" typeface="Nyala"/>
+        <a:font script="Beng" typeface="Vrinda"/>
+        <a:font script="Gujr" typeface="Shruti"/>
+        <a:font script="Khmr" typeface="MoolBoran"/>
+        <a:font script="Knda" typeface="Tunga"/>
+        <a:font script="Guru" typeface="Raavi"/>
+        <a:font script="Cans" typeface="Euphemia"/>
+        <a:font script="Cher" typeface="Plantagenet Cherokee"/>
+        <a:font script="Yiii" typeface="Microsoft Yi Baiti"/>
+        <a:font script="Tibt" typeface="Microsoft Himalaya"/>
+        <a:font script="Thaa" typeface="MV Boli"/>
+        <a:font script="Deva" typeface="Mangal"/>
+        <a:font script="Telu" typeface="Gautami"/>
+        <a:font script="Taml" typeface="Latha"/>
+        <a:font script="Syrc" typeface="Estrangelo Edessa"/>
+        <a:font script="Orya" typeface="Kalinga"/>
+        <a:font script="Mlym" typeface="Kartika"/>
+        <a:font script="Laoo" typeface="DokChampa"/>
+        <a:font script="Sinh" typeface="Iskoola Pota"/>
+        <a:font script="Mong" typeface="Mongolian Baiti"/>
+        <a:font script="Viet" typeface="Times New Roman"/>
+        <a:font script="Uigh" typeface="Microsoft Uighur"/>
+        <a:font script="Geor" typeface="Sylfaen"/>
+      </a:majorFont>
+      <a:minorFont>
+        <a:latin typeface="Calibri" panose="020F0502020204030204"/>
+        <a:ea typeface=""/>
+        <a:cs typeface=""/>
+        <a:font script="Jpan" typeface="ＭＳ Ｐゴシック"/>
+        <a:font script="Hang" typeface="맑은 고딕"/>
+        <a:font script="Hans" typeface="宋体"/>
+        <a:font script="Hant" typeface="新細明體"/>
+        <a:font script="Arab" typeface="Arial"/>
+        <a:font script="Hebr" typeface="Arial"/>
+        <a:font script="Thai" typeface="Cordia New"/>
+        <a:font script="Ethi" typeface="Nyala"/>
+        <a:font script="Beng" typeface="Vrinda"/>
+        <a:font script="Gujr" typeface="Shruti"/>
+        <a:font script="Khmr" typeface="DaunPenh"/>
+        <a:font script="Knda" typeface="Tunga"/>
+        <a:font script="Guru" typeface="Raavi"/>
+        <a:font script="Cans" typeface="Euphemia"/>
+        <a:font script="Cher" typeface="Plantagenet Cherokee"/>
+        <a:font script="Yiii" typeface="Microsoft Yi Baiti"/>
+        <a:font script="Tibt" typeface="Microsoft Himalaya"/>
+        <a:font script="Thaa" typeface="MV Boli"/>
+        <a:font script="Deva" typeface="Mangal"/>
+        <a:font script="Telu" typeface="Gautami"/>
+        <a:font script="Taml" typeface="Latha"/>
+        <a:font script="Syrc" typeface="Estrangelo Edessa"/>
+        <a:font script="Orya" typeface="Kalinga"/>
+        <a:font script="Mlym" typeface="Kartika"/>
+        <a:font script="Laoo" typeface="DokChampa"/>
+        <a:font script="Sinh" typeface="Iskoola Pota"/>
+        <a:font script="Mong" typeface="Mongolian Baiti"/>
+        <a:font script="Viet" typeface="Arial"/>
+        <a:font script="Uigh" typeface="Microsoft Uighur"/>
+        <a:font script="Geor" typeface="Sylfaen"/>
+      </a:minorFont>
+    </a:fontScheme>
+    <a:fmtScheme name="Office">
+      <a:fillStyleLst>
+        <a:solidFill>
+          <a:schemeClr val="phClr"/>
+        </a:solidFill>
+        <a:gradFill rotWithShape="1">
+          <a:gsLst>
+            <a:gs pos="0">
+              <a:schemeClr val="phClr">
+                <a:lumMod val="110000"/>
+                <a:satMod val="105000"/>
+                <a:tint val="67000"/>
+              </a:schemeClr>
+            </a:gs>
+            <a:gs pos="50000">
+              <a:schemeClr val="phClr">
+                <a:lumMod val="105000"/>
+                <a:satMod val="103000"/>
+                <a:tint val="73000"/>
+              </a:schemeClr>
+            </a:gs>
+            <a:gs pos="100000">
+              <a:schemeClr val="phClr">
+                <a:lumMod val="105000"/>
+                <a:satMod val="109000"/>
+                <a:tint val="81000"/>
+              </a:schemeClr>
+            </a:gs>
+          </a:gsLst>
+          <a:lin ang="5400000" scaled="0"/>
+        </a:gradFill>
+        <a:gradFill rotWithShape="1">
+          <a:gsLst>
+            <a:gs pos="0">
+              <a:schemeClr val="phClr">
+                <a:satMod val="103000"/>
+                <a:lumMod val="102000"/>
+                <a:tint val="94000"/>
+              </a:schemeClr>
+            </a:gs>
+            <a:gs pos="50000">
+              <a:schemeClr val="phClr">
+                <a:satMod val="110000"/>
+                <a:lumMod val="100000"/>
+                <a:shade val="100000"/>
+              </a:schemeClr>
+            </a:gs>
+            <a:gs pos="100000">
+              <a:schemeClr val="phClr">
+                <a:lumMod val="99000"/>
+                <a:satMod val="120000"/>
+                <a:shade val="78000"/>
+              </a:schemeClr>
+            </a:gs>
+          </a:gsLst>
+          <a:lin ang="5400000" scaled="0"/>
+        </a:gradFill>
+      </a:fillStyleLst>
+      <a:lnStyleLst>
+        <a:ln w="6350" cap="flat" cmpd="sng" algn="ctr">
+          <a:solidFill>
+            <a:schemeClr val="phClr"/>
+          </a:solidFill>
+          <a:prstDash val="solid"/>
+          <a:miter lim="800000"/>
+        </a:ln>
+        <a:ln w="12700" cap="flat" cmpd="sng" algn="ctr">
+          <a:solidFill>
+            <a:schemeClr val="phClr"/>
+          </a:solidFill>
+          <a:prstDash val="solid"/>
+          <a:miter lim="800000"/>
+        </a:ln>
+        <a:ln w="19050" cap="flat" cmpd="sng" algn="ctr">
+          <a:solidFill>
+            <a:schemeClr val="phClr"/>
+          </a:solidFill>
+          <a:prstDash val="solid"/>
+          <a:miter lim="800000"/>
+        </a:ln>
+      </a:lnStyleLst>
+      <a:effectStyleLst>
+        <a:effectStyle>
+          <a:effectLst/>
+        </a:effectStyle>
+        <a:effectStyle>
+          <a:effectLst/>
+        </a:effectStyle>
+        <a:effectStyle>
+          <a:effectLst>
+            <a:outerShdw blurRad="57150" dist="19050" dir="5400000" algn="ctr" rotWithShape="0">
+              <a:srgbClr val="000000">
+                <a:alpha val="63000"/>
+              </a:srgbClr>
+            </a:outerShdw>
+          </a:effectLst>
+        </a:effectStyle>
+      </a:effectStyleLst>
+      <a:bgFillStyleLst>
+        <a:solidFill>
+          <a:schemeClr val="phClr"/>
+        </a:solidFill>
+        <a:solidFill>
+          <a:schemeClr val="phClr">
+            <a:tint val="95000"/>
+            <a:satMod val="170000"/>
+          </a:schemeClr>
+        </a:solidFill>
+        <a:gradFill rotWithShape="1">
+          <a:gsLst>
+            <a:gs pos="0">
+              <a:schemeClr val="phClr">
+                <a:tint val="93000"/>
+                <a:satMod val="150000"/>
+                <a:shade val="98000"/>
+                <a:lumMod val="102000"/>
+              </a:schemeClr>
+            </a:gs>
+            <a:gs pos="50000">
+              <a:schemeClr val="phClr">
+                <a:tint val="98000"/>
+                <a:satMod val="130000"/>
+                <a:shade val="90000"/>
+                <a:lumMod val="103000"/>
+              </a:schemeClr>
+            </a:gs>
+            <a:gs pos="100000">
+              <a:schemeClr val="phClr">
+                <a:shade val="63000"/>
+                <a:satMod val="120000"/>
+              </a:schemeClr>
+            </a:gs>
+          </a:gsLst>
+          <a:lin ang="5400000" scaled="0"/>
+        </a:gradFill>
+      </a:bgFillStyleLst>
+    </a:fmtScheme>
+  </a:themeElements>
+  <a:objectDefaults/>
+  <a:extraClrSchemeLst/>
+  <a:extLst>
+    <a:ext uri="{05A4C25C-085E-4340-85A3-A5531E510DB2}">
+      <thm15:themeFamily xmlns:thm15="http://schemas.microsoft.com/office/thememl/2012/main" name="Office Theme" id="{62F939B6-93AF-4DB8-9C6B-D6C7DFDC589F}" vid="{4A3C46E8-61CC-4603-A589-7422A47A8E4A}"/>
+    </a:ext>
+  </a:extLst>
+</a:theme>
 </file>
--- a/Análise funcional e estruturação.pptx
+++ b/Análise funcional e estruturação.pptx
@@ -5,13 +5,17 @@
     <p:sldMasterId id="2147483668" r:id="rId1"/>
   </p:sldMasterIdLst>
   <p:notesMasterIdLst>
-    <p:notesMasterId r:id="rId6"/>
+    <p:notesMasterId r:id="rId10"/>
   </p:notesMasterIdLst>
   <p:sldIdLst>
     <p:sldId id="256" r:id="rId2"/>
     <p:sldId id="259" r:id="rId3"/>
     <p:sldId id="257" r:id="rId4"/>
     <p:sldId id="258" r:id="rId5"/>
+    <p:sldId id="261" r:id="rId6"/>
+    <p:sldId id="260" r:id="rId7"/>
+    <p:sldId id="262" r:id="rId8"/>
+    <p:sldId id="263" r:id="rId9"/>
   </p:sldIdLst>
   <p:sldSz cx="12192000" cy="6858000"/>
   <p:notesSz cx="6858000" cy="9144000"/>
@@ -466,6 +470,90 @@
     </a:lvl9pPr>
   </p:notesStyle>
 </p:notesMaster>
+</file>
+
+<file path=ppt/notesSlides/notesSlide1.xml><?xml version="1.0" encoding="utf-8"?>
+<p:notes xmlns:a="http://schemas.openxmlformats.org/drawingml/2006/main" xmlns:r="http://schemas.openxmlformats.org/officeDocument/2006/relationships" xmlns:p="http://schemas.openxmlformats.org/presentationml/2006/main">
+  <p:cSld>
+    <p:spTree>
+      <p:nvGrpSpPr>
+        <p:cNvPr id="1" name=""/>
+        <p:cNvGrpSpPr/>
+        <p:nvPr/>
+      </p:nvGrpSpPr>
+      <p:grpSpPr>
+        <a:xfrm>
+          <a:off x="0" y="0"/>
+          <a:ext cx="0" cy="0"/>
+          <a:chOff x="0" y="0"/>
+          <a:chExt cx="0" cy="0"/>
+        </a:xfrm>
+      </p:grpSpPr>
+      <p:sp>
+        <p:nvSpPr>
+          <p:cNvPr id="2" name="Marcador de Posição da Imagem do Diapositivo 1"/>
+          <p:cNvSpPr>
+            <a:spLocks noGrp="1" noRot="1" noChangeAspect="1"/>
+          </p:cNvSpPr>
+          <p:nvPr>
+            <p:ph type="sldImg"/>
+          </p:nvPr>
+        </p:nvSpPr>
+        <p:spPr/>
+      </p:sp>
+      <p:sp>
+        <p:nvSpPr>
+          <p:cNvPr id="3" name="Marcador de Posição de Notas 2"/>
+          <p:cNvSpPr>
+            <a:spLocks noGrp="1"/>
+          </p:cNvSpPr>
+          <p:nvPr>
+            <p:ph type="body" idx="1"/>
+          </p:nvPr>
+        </p:nvSpPr>
+        <p:spPr/>
+        <p:txBody>
+          <a:bodyPr/>
+          <a:lstStyle/>
+          <a:p>
+            <a:endParaRPr lang="pt-PT" dirty="0"/>
+          </a:p>
+        </p:txBody>
+      </p:sp>
+      <p:sp>
+        <p:nvSpPr>
+          <p:cNvPr id="4" name="Marcador de Posição do Número do Diapositivo 3"/>
+          <p:cNvSpPr>
+            <a:spLocks noGrp="1"/>
+          </p:cNvSpPr>
+          <p:nvPr>
+            <p:ph type="sldNum" sz="quarter" idx="10"/>
+          </p:nvPr>
+        </p:nvSpPr>
+        <p:spPr/>
+        <p:txBody>
+          <a:bodyPr/>
+          <a:lstStyle/>
+          <a:p>
+            <a:fld id="{ADABC6D3-17CA-4942-815E-36A066459A0F}" type="slidenum">
+              <a:rPr lang="pt-PT" smtClean="0"/>
+              <a:t>7</a:t>
+            </a:fld>
+            <a:endParaRPr lang="pt-PT"/>
+          </a:p>
+        </p:txBody>
+      </p:sp>
+    </p:spTree>
+    <p:extLst>
+      <p:ext uri="{BB962C8B-B14F-4D97-AF65-F5344CB8AC3E}">
+        <p14:creationId xmlns:p14="http://schemas.microsoft.com/office/powerpoint/2010/main" val="1391043407"/>
+      </p:ext>
+    </p:extLst>
+  </p:cSld>
+  <p:clrMapOvr>
+    <a:masterClrMapping/>
+  </p:clrMapOvr>
+</p:notes>
 </file>
 
 <file path=ppt/slideLayouts/slideLayout1.xml><?xml version="1.0" encoding="utf-8"?>
@@ -4886,6 +4974,503 @@
   <p:clrMapOvr>
     <a:masterClrMapping/>
   </p:clrMapOvr>
+</p:sld>
+</file>
+
+<file path=ppt/slides/slide5.xml><?xml version="1.0" encoding="utf-8"?>
+<p:sld xmlns:a="http://schemas.openxmlformats.org/drawingml/2006/main" xmlns:r="http://schemas.openxmlformats.org/officeDocument/2006/relationships" xmlns:p="http://schemas.openxmlformats.org/presentationml/2006/main">
+  <p:cSld>
+    <p:spTree>
+      <p:nvGrpSpPr>
+        <p:cNvPr id="1" name=""/>
+        <p:cNvGrpSpPr/>
+        <p:nvPr/>
+      </p:nvGrpSpPr>
+      <p:grpSpPr>
+        <a:xfrm>
+          <a:off x="0" y="0"/>
+          <a:ext cx="0" cy="0"/>
+          <a:chOff x="0" y="0"/>
+          <a:chExt cx="0" cy="0"/>
+        </a:xfrm>
+      </p:grpSpPr>
+      <p:sp>
+        <p:nvSpPr>
+          <p:cNvPr id="2" name="Título 1"/>
+          <p:cNvSpPr>
+            <a:spLocks noGrp="1"/>
+          </p:cNvSpPr>
+          <p:nvPr>
+            <p:ph type="title"/>
+          </p:nvPr>
+        </p:nvSpPr>
+        <p:spPr/>
+        <p:txBody>
+          <a:bodyPr/>
+          <a:lstStyle/>
+          <a:p>
+            <a:r>
+              <a:rPr lang="pt-PT" dirty="0" smtClean="0"/>
+              <a:t>Regras</a:t>
+            </a:r>
+            <a:endParaRPr lang="pt-PT" dirty="0"/>
+          </a:p>
+        </p:txBody>
+      </p:sp>
+      <p:sp>
+        <p:nvSpPr>
+          <p:cNvPr id="3" name="Marcador de Posição de Conteúdo 2"/>
+          <p:cNvSpPr>
+            <a:spLocks noGrp="1"/>
+          </p:cNvSpPr>
+          <p:nvPr>
+            <p:ph idx="1"/>
+          </p:nvPr>
+        </p:nvSpPr>
+        <p:spPr>
+          <a:xfrm>
+            <a:off x="1097280" y="2216437"/>
+            <a:ext cx="10058400" cy="3055779"/>
+          </a:xfrm>
+        </p:spPr>
+        <p:txBody>
+          <a:bodyPr>
+            <a:normAutofit/>
+          </a:bodyPr>
+          <a:lstStyle/>
+          <a:p>
+            <a:pPr marL="360000" indent="-180000">
+              <a:buFont typeface="Arial" panose="020B0604020202020204" pitchFamily="34" charset="0"/>
+              <a:buChar char="•"/>
+            </a:pPr>
+            <a:r>
+              <a:rPr lang="pt-PT" dirty="0" smtClean="0"/>
+              <a:t>Jogo realiza-se no tabuleiro(3x4) inicialmente vazio</a:t>
+            </a:r>
+          </a:p>
+          <a:p>
+            <a:pPr marL="360000" indent="-180000">
+              <a:buFont typeface="Arial" panose="020B0604020202020204" pitchFamily="34" charset="0"/>
+              <a:buChar char="•"/>
+            </a:pPr>
+            <a:r>
+              <a:rPr lang="pt-PT" dirty="0" smtClean="0"/>
+              <a:t>Cada jogador na sua jogada apenas pode realizar uma das seguintes opções: </a:t>
+            </a:r>
+          </a:p>
+          <a:p>
+            <a:pPr marL="652608" lvl="1" indent="-180000">
+              <a:buFont typeface="Arial" panose="020B0604020202020204" pitchFamily="34" charset="0"/>
+              <a:buChar char="•"/>
+            </a:pPr>
+            <a:r>
+              <a:rPr lang="pt-PT" dirty="0" smtClean="0"/>
+              <a:t>Colocar peça verde numa casa vazia;</a:t>
+            </a:r>
+          </a:p>
+          <a:p>
+            <a:pPr marL="652608" lvl="1" indent="-180000">
+              <a:buFont typeface="Arial" panose="020B0604020202020204" pitchFamily="34" charset="0"/>
+              <a:buChar char="•"/>
+            </a:pPr>
+            <a:r>
+              <a:rPr lang="pt-PT" dirty="0" smtClean="0"/>
+              <a:t>Substituir peça verde por amarela;</a:t>
+            </a:r>
+          </a:p>
+          <a:p>
+            <a:pPr marL="652608" lvl="1" indent="-180000">
+              <a:buFont typeface="Arial" panose="020B0604020202020204" pitchFamily="34" charset="0"/>
+              <a:buChar char="•"/>
+            </a:pPr>
+            <a:r>
+              <a:rPr lang="pt-PT" dirty="0" smtClean="0"/>
+              <a:t>Substituir peça amarela por vermelha;</a:t>
+            </a:r>
+            <a:endParaRPr lang="pt-PT" dirty="0"/>
+          </a:p>
+          <a:p>
+            <a:pPr marL="360000" indent="-180000">
+              <a:buFont typeface="Arial" panose="020B0604020202020204" pitchFamily="34" charset="0"/>
+              <a:buChar char="•"/>
+            </a:pPr>
+            <a:r>
+              <a:rPr lang="pt-PT" dirty="0" smtClean="0"/>
+              <a:t>Peças vermelhas são insubstituíveis. </a:t>
+            </a:r>
+            <a:endParaRPr lang="pt-PT" dirty="0"/>
+          </a:p>
+        </p:txBody>
+      </p:sp>
+    </p:spTree>
+    <p:extLst>
+      <p:ext uri="{BB962C8B-B14F-4D97-AF65-F5344CB8AC3E}">
+        <p14:creationId xmlns:p14="http://schemas.microsoft.com/office/powerpoint/2010/main" val="655315861"/>
+      </p:ext>
+    </p:extLst>
+  </p:cSld>
+  <p:clrMapOvr>
+    <a:masterClrMapping/>
+  </p:clrMapOvr>
+</p:sld>
+</file>
+
+<file path=ppt/slides/slide6.xml><?xml version="1.0" encoding="utf-8"?>
+<p:sld xmlns:a="http://schemas.openxmlformats.org/drawingml/2006/main" xmlns:r="http://schemas.openxmlformats.org/officeDocument/2006/relationships" xmlns:p="http://schemas.openxmlformats.org/presentationml/2006/main">
+  <p:cSld>
+    <p:spTree>
+      <p:nvGrpSpPr>
+        <p:cNvPr id="1" name=""/>
+        <p:cNvGrpSpPr/>
+        <p:nvPr/>
+      </p:nvGrpSpPr>
+      <p:grpSpPr>
+        <a:xfrm>
+          <a:off x="0" y="0"/>
+          <a:ext cx="0" cy="0"/>
+          <a:chOff x="0" y="0"/>
+          <a:chExt cx="0" cy="0"/>
+        </a:xfrm>
+      </p:grpSpPr>
+      <p:sp>
+        <p:nvSpPr>
+          <p:cNvPr id="2" name="Título 1"/>
+          <p:cNvSpPr>
+            <a:spLocks noGrp="1"/>
+          </p:cNvSpPr>
+          <p:nvPr>
+            <p:ph type="title"/>
+          </p:nvPr>
+        </p:nvSpPr>
+        <p:spPr/>
+        <p:txBody>
+          <a:bodyPr/>
+          <a:lstStyle/>
+          <a:p>
+            <a:r>
+              <a:rPr lang="pt-PT" dirty="0" smtClean="0"/>
+              <a:t>Requisitos</a:t>
+            </a:r>
+            <a:endParaRPr lang="pt-PT" dirty="0"/>
+          </a:p>
+        </p:txBody>
+      </p:sp>
+      <p:sp>
+        <p:nvSpPr>
+          <p:cNvPr id="3" name="Marcador de Posição de Conteúdo 2"/>
+          <p:cNvSpPr>
+            <a:spLocks noGrp="1"/>
+          </p:cNvSpPr>
+          <p:nvPr>
+            <p:ph idx="1"/>
+          </p:nvPr>
+        </p:nvSpPr>
+        <p:spPr>
+          <a:xfrm>
+            <a:off x="1097280" y="2072157"/>
+            <a:ext cx="10058400" cy="4023360"/>
+          </a:xfrm>
+        </p:spPr>
+        <p:txBody>
+          <a:bodyPr>
+            <a:normAutofit/>
+          </a:bodyPr>
+          <a:lstStyle/>
+          <a:p>
+            <a:pPr marL="360000" indent="-180000">
+              <a:buFont typeface="Arial" panose="020B0604020202020204" pitchFamily="34" charset="0"/>
+              <a:buChar char="•"/>
+            </a:pPr>
+            <a:r>
+              <a:rPr lang="pt-PT" dirty="0" smtClean="0"/>
+              <a:t>Tabuleiro retangular 3x4</a:t>
+            </a:r>
+          </a:p>
+          <a:p>
+            <a:pPr marL="360000" indent="-180000">
+              <a:buFont typeface="Arial" panose="020B0604020202020204" pitchFamily="34" charset="0"/>
+              <a:buChar char="•"/>
+            </a:pPr>
+            <a:r>
+              <a:rPr lang="pt-PT" dirty="0" smtClean="0"/>
+              <a:t>Peças de cores e formatos diferentes</a:t>
+            </a:r>
+          </a:p>
+          <a:p>
+            <a:pPr marL="360000" indent="-180000">
+              <a:buFont typeface="Arial" panose="020B0604020202020204" pitchFamily="34" charset="0"/>
+              <a:buChar char="•"/>
+            </a:pPr>
+            <a:r>
+              <a:rPr lang="pt-PT" dirty="0" smtClean="0"/>
+              <a:t>Colocar peças no tabuleiro vazio</a:t>
+            </a:r>
+          </a:p>
+          <a:p>
+            <a:pPr marL="360000" indent="-180000">
+              <a:buFont typeface="Arial" panose="020B0604020202020204" pitchFamily="34" charset="0"/>
+              <a:buChar char="•"/>
+            </a:pPr>
+            <a:r>
+              <a:rPr lang="pt-PT" dirty="0" smtClean="0"/>
+              <a:t>Substituir peças</a:t>
+            </a:r>
+          </a:p>
+          <a:p>
+            <a:pPr marL="360000" indent="-180000">
+              <a:buFont typeface="Arial" panose="020B0604020202020204" pitchFamily="34" charset="0"/>
+              <a:buChar char="•"/>
+            </a:pPr>
+            <a:r>
+              <a:rPr lang="pt-PT" dirty="0" smtClean="0"/>
+              <a:t>Peças vermelhas impossíveis de substituir</a:t>
+            </a:r>
+          </a:p>
+          <a:p>
+            <a:pPr marL="360000" indent="-180000">
+              <a:buFont typeface="Arial" panose="020B0604020202020204" pitchFamily="34" charset="0"/>
+              <a:buChar char="•"/>
+            </a:pPr>
+            <a:r>
+              <a:rPr lang="pt-PT" dirty="0" smtClean="0"/>
+              <a:t>Identificar os jogadores</a:t>
+            </a:r>
+          </a:p>
+          <a:p>
+            <a:pPr marL="360000" indent="-180000">
+              <a:buFont typeface="Arial" panose="020B0604020202020204" pitchFamily="34" charset="0"/>
+              <a:buChar char="•"/>
+            </a:pPr>
+            <a:endParaRPr lang="pt-PT" dirty="0" smtClean="0"/>
+          </a:p>
+        </p:txBody>
+      </p:sp>
+    </p:spTree>
+    <p:extLst>
+      <p:ext uri="{BB962C8B-B14F-4D97-AF65-F5344CB8AC3E}">
+        <p14:creationId xmlns:p14="http://schemas.microsoft.com/office/powerpoint/2010/main" val="4177714599"/>
+      </p:ext>
+    </p:extLst>
+  </p:cSld>
+  <p:clrMapOvr>
+    <a:masterClrMapping/>
+  </p:clrMapOvr>
+</p:sld>
+</file>
+
+<file path=ppt/slides/slide7.xml><?xml version="1.0" encoding="utf-8"?>
+<p:sld xmlns:a="http://schemas.openxmlformats.org/drawingml/2006/main" xmlns:r="http://schemas.openxmlformats.org/officeDocument/2006/relationships" xmlns:p="http://schemas.openxmlformats.org/presentationml/2006/main">
+  <p:cSld>
+    <p:spTree>
+      <p:nvGrpSpPr>
+        <p:cNvPr id="1" name=""/>
+        <p:cNvGrpSpPr/>
+        <p:nvPr/>
+      </p:nvGrpSpPr>
+      <p:grpSpPr>
+        <a:xfrm>
+          <a:off x="0" y="0"/>
+          <a:ext cx="0" cy="0"/>
+          <a:chOff x="0" y="0"/>
+          <a:chExt cx="0" cy="0"/>
+        </a:xfrm>
+      </p:grpSpPr>
+      <p:sp>
+        <p:nvSpPr>
+          <p:cNvPr id="2" name="Título 1"/>
+          <p:cNvSpPr>
+            <a:spLocks noGrp="1"/>
+          </p:cNvSpPr>
+          <p:nvPr>
+            <p:ph type="title"/>
+          </p:nvPr>
+        </p:nvSpPr>
+        <p:spPr/>
+        <p:txBody>
+          <a:bodyPr/>
+          <a:lstStyle/>
+          <a:p>
+            <a:r>
+              <a:rPr lang="pt-PT" dirty="0" smtClean="0"/>
+              <a:t>Estruturação</a:t>
+            </a:r>
+            <a:endParaRPr lang="pt-PT" dirty="0"/>
+          </a:p>
+        </p:txBody>
+      </p:sp>
+      <p:pic>
+        <p:nvPicPr>
+          <p:cNvPr id="1026" name="Picture 2" descr="https://cdn.discordapp.com/attachments/707249637530271764/961391771009552434/Diagrama.drawio.png"/>
+          <p:cNvPicPr>
+            <a:picLocks noGrp="1" noChangeAspect="1" noChangeArrowheads="1"/>
+          </p:cNvPicPr>
+          <p:nvPr>
+            <p:ph idx="1"/>
+          </p:nvPr>
+        </p:nvPicPr>
+        <p:blipFill>
+          <a:blip r:embed="rId3">
+            <a:extLst>
+              <a:ext uri="{28A0092B-C50C-407E-A947-70E740481C1C}">
+                <a14:useLocalDpi xmlns:a14="http://schemas.microsoft.com/office/drawing/2010/main" val="0"/>
+              </a:ext>
+            </a:extLst>
+          </a:blip>
+          <a:srcRect/>
+          <a:stretch>
+            <a:fillRect/>
+          </a:stretch>
+        </p:blipFill>
+        <p:spPr bwMode="auto">
+          <a:xfrm>
+            <a:off x="3996717" y="1846263"/>
+            <a:ext cx="4752154" cy="4488634"/>
+          </a:xfrm>
+          <a:prstGeom prst="rect">
+            <a:avLst/>
+          </a:prstGeom>
+          <a:noFill/>
+          <a:extLst>
+            <a:ext uri="{909E8E84-426E-40DD-AFC4-6F175D3DCCD1}">
+              <a14:hiddenFill xmlns:a14="http://schemas.microsoft.com/office/drawing/2010/main">
+                <a:solidFill>
+                  <a:srgbClr val="FFFFFF"/>
+                </a:solidFill>
+              </a14:hiddenFill>
+            </a:ext>
+          </a:extLst>
+        </p:spPr>
+      </p:pic>
+    </p:spTree>
+    <p:extLst>
+      <p:ext uri="{BB962C8B-B14F-4D97-AF65-F5344CB8AC3E}">
+        <p14:creationId xmlns:p14="http://schemas.microsoft.com/office/powerpoint/2010/main" val="3807366934"/>
+      </p:ext>
+    </p:extLst>
+  </p:cSld>
+  <p:clrMapOvr>
+    <a:masterClrMapping/>
+  </p:clrMapOvr>
+  <p:timing>
+    <p:tnLst>
+      <p:par>
+        <p:cTn id="1" dur="indefinite" restart="never" nodeType="tmRoot"/>
+      </p:par>
+    </p:tnLst>
+  </p:timing>
+</p:sld>
+</file>
+
+<file path=ppt/slides/slide8.xml><?xml version="1.0" encoding="utf-8"?>
+<p:sld xmlns:a="http://schemas.openxmlformats.org/drawingml/2006/main" xmlns:r="http://schemas.openxmlformats.org/officeDocument/2006/relationships" xmlns:p="http://schemas.openxmlformats.org/presentationml/2006/main">
+  <p:cSld>
+    <p:spTree>
+      <p:nvGrpSpPr>
+        <p:cNvPr id="1" name=""/>
+        <p:cNvGrpSpPr/>
+        <p:nvPr/>
+      </p:nvGrpSpPr>
+      <p:grpSpPr>
+        <a:xfrm>
+          <a:off x="0" y="0"/>
+          <a:ext cx="0" cy="0"/>
+          <a:chOff x="0" y="0"/>
+          <a:chExt cx="0" cy="0"/>
+        </a:xfrm>
+      </p:grpSpPr>
+      <p:sp>
+        <p:nvSpPr>
+          <p:cNvPr id="4" name="Oval 3"/>
+          <p:cNvSpPr/>
+          <p:nvPr/>
+        </p:nvSpPr>
+        <p:spPr>
+          <a:xfrm>
+            <a:off x="4005220" y="1856670"/>
+            <a:ext cx="4093029" cy="4093029"/>
+          </a:xfrm>
+          <a:prstGeom prst="ellipse">
+            <a:avLst/>
+          </a:prstGeom>
+        </p:spPr>
+        <p:style>
+          <a:lnRef idx="2">
+            <a:schemeClr val="accent1">
+              <a:shade val="50000"/>
+            </a:schemeClr>
+          </a:lnRef>
+          <a:fillRef idx="1">
+            <a:schemeClr val="accent1"/>
+          </a:fillRef>
+          <a:effectRef idx="0">
+            <a:schemeClr val="accent1"/>
+          </a:effectRef>
+          <a:fontRef idx="minor">
+            <a:schemeClr val="lt1"/>
+          </a:fontRef>
+        </p:style>
+        <p:txBody>
+          <a:bodyPr rtlCol="0" anchor="ctr"/>
+          <a:lstStyle/>
+          <a:p>
+            <a:pPr algn="ctr"/>
+            <a:endParaRPr lang="pt-PT" b="1" dirty="0"/>
+          </a:p>
+        </p:txBody>
+      </p:sp>
+      <p:sp>
+        <p:nvSpPr>
+          <p:cNvPr id="2" name="Título 1"/>
+          <p:cNvSpPr>
+            <a:spLocks noGrp="1"/>
+          </p:cNvSpPr>
+          <p:nvPr>
+            <p:ph type="title"/>
+          </p:nvPr>
+        </p:nvSpPr>
+        <p:spPr>
+          <a:xfrm>
+            <a:off x="4807297" y="2957526"/>
+            <a:ext cx="2697883" cy="1450757"/>
+          </a:xfrm>
+        </p:spPr>
+        <p:txBody>
+          <a:bodyPr/>
+          <a:lstStyle/>
+          <a:p>
+            <a:r>
+              <a:rPr lang="pt-PT" b="1" dirty="0" smtClean="0">
+                <a:solidFill>
+                  <a:schemeClr val="bg1"/>
+                </a:solidFill>
+              </a:rPr>
+              <a:t>Obrigado!</a:t>
+            </a:r>
+            <a:endParaRPr lang="pt-PT" b="1" dirty="0">
+              <a:solidFill>
+                <a:schemeClr val="bg1"/>
+              </a:solidFill>
+            </a:endParaRPr>
+          </a:p>
+        </p:txBody>
+      </p:sp>
+    </p:spTree>
+    <p:extLst>
+      <p:ext uri="{BB962C8B-B14F-4D97-AF65-F5344CB8AC3E}">
+        <p14:creationId xmlns:p14="http://schemas.microsoft.com/office/powerpoint/2010/main" val="4249594797"/>
+      </p:ext>
+    </p:extLst>
+  </p:cSld>
+  <p:clrMapOvr>
+    <a:masterClrMapping/>
+  </p:clrMapOvr>
+  <p:timing>
+    <p:tnLst>
+      <p:par>
+        <p:cTn id="1" dur="indefinite" restart="never" nodeType="tmRoot"/>
+      </p:par>
+    </p:tnLst>
+  </p:timing>
 </p:sld>
 </file>
 
